--- a/speaker diarization.pptx
+++ b/speaker diarization.pptx
@@ -8,12 +8,20 @@
     <p:sldId id="256" r:id="rId2"/>
     <p:sldId id="260" r:id="rId3"/>
     <p:sldId id="261" r:id="rId4"/>
-    <p:sldId id="262" r:id="rId5"/>
-    <p:sldId id="263" r:id="rId6"/>
-    <p:sldId id="264" r:id="rId7"/>
-    <p:sldId id="257" r:id="rId8"/>
-    <p:sldId id="258" r:id="rId9"/>
-    <p:sldId id="259" r:id="rId10"/>
+    <p:sldId id="265" r:id="rId5"/>
+    <p:sldId id="266" r:id="rId6"/>
+    <p:sldId id="267" r:id="rId7"/>
+    <p:sldId id="268" r:id="rId8"/>
+    <p:sldId id="263" r:id="rId9"/>
+    <p:sldId id="270" r:id="rId10"/>
+    <p:sldId id="269" r:id="rId11"/>
+    <p:sldId id="257" r:id="rId12"/>
+    <p:sldId id="271" r:id="rId13"/>
+    <p:sldId id="272" r:id="rId14"/>
+    <p:sldId id="262" r:id="rId15"/>
+    <p:sldId id="264" r:id="rId16"/>
+    <p:sldId id="258" r:id="rId17"/>
+    <p:sldId id="259" r:id="rId18"/>
   </p:sldIdLst>
   <p:sldSz cx="12192000" cy="6858000"/>
   <p:notesSz cx="6858000" cy="9144000"/>
@@ -246,7 +254,7 @@
           <a:p>
             <a:fld id="{495B8E13-21BB-47ED-9977-76037F2CED7E}" type="datetimeFigureOut">
               <a:rPr lang="zh-CN" altLang="en-US" smtClean="0"/>
-              <a:t>2019/5/13</a:t>
+              <a:t>2019/5/15</a:t>
             </a:fld>
             <a:endParaRPr lang="zh-CN" altLang="en-US"/>
           </a:p>
@@ -416,7 +424,7 @@
           <a:p>
             <a:fld id="{495B8E13-21BB-47ED-9977-76037F2CED7E}" type="datetimeFigureOut">
               <a:rPr lang="zh-CN" altLang="en-US" smtClean="0"/>
-              <a:t>2019/5/13</a:t>
+              <a:t>2019/5/15</a:t>
             </a:fld>
             <a:endParaRPr lang="zh-CN" altLang="en-US"/>
           </a:p>
@@ -596,7 +604,7 @@
           <a:p>
             <a:fld id="{495B8E13-21BB-47ED-9977-76037F2CED7E}" type="datetimeFigureOut">
               <a:rPr lang="zh-CN" altLang="en-US" smtClean="0"/>
-              <a:t>2019/5/13</a:t>
+              <a:t>2019/5/15</a:t>
             </a:fld>
             <a:endParaRPr lang="zh-CN" altLang="en-US"/>
           </a:p>
@@ -766,7 +774,7 @@
           <a:p>
             <a:fld id="{495B8E13-21BB-47ED-9977-76037F2CED7E}" type="datetimeFigureOut">
               <a:rPr lang="zh-CN" altLang="en-US" smtClean="0"/>
-              <a:t>2019/5/13</a:t>
+              <a:t>2019/5/15</a:t>
             </a:fld>
             <a:endParaRPr lang="zh-CN" altLang="en-US"/>
           </a:p>
@@ -1012,7 +1020,7 @@
           <a:p>
             <a:fld id="{495B8E13-21BB-47ED-9977-76037F2CED7E}" type="datetimeFigureOut">
               <a:rPr lang="zh-CN" altLang="en-US" smtClean="0"/>
-              <a:t>2019/5/13</a:t>
+              <a:t>2019/5/15</a:t>
             </a:fld>
             <a:endParaRPr lang="zh-CN" altLang="en-US"/>
           </a:p>
@@ -1244,7 +1252,7 @@
           <a:p>
             <a:fld id="{495B8E13-21BB-47ED-9977-76037F2CED7E}" type="datetimeFigureOut">
               <a:rPr lang="zh-CN" altLang="en-US" smtClean="0"/>
-              <a:t>2019/5/13</a:t>
+              <a:t>2019/5/15</a:t>
             </a:fld>
             <a:endParaRPr lang="zh-CN" altLang="en-US"/>
           </a:p>
@@ -1611,7 +1619,7 @@
           <a:p>
             <a:fld id="{495B8E13-21BB-47ED-9977-76037F2CED7E}" type="datetimeFigureOut">
               <a:rPr lang="zh-CN" altLang="en-US" smtClean="0"/>
-              <a:t>2019/5/13</a:t>
+              <a:t>2019/5/15</a:t>
             </a:fld>
             <a:endParaRPr lang="zh-CN" altLang="en-US"/>
           </a:p>
@@ -1729,7 +1737,7 @@
           <a:p>
             <a:fld id="{495B8E13-21BB-47ED-9977-76037F2CED7E}" type="datetimeFigureOut">
               <a:rPr lang="zh-CN" altLang="en-US" smtClean="0"/>
-              <a:t>2019/5/13</a:t>
+              <a:t>2019/5/15</a:t>
             </a:fld>
             <a:endParaRPr lang="zh-CN" altLang="en-US"/>
           </a:p>
@@ -1824,7 +1832,7 @@
           <a:p>
             <a:fld id="{495B8E13-21BB-47ED-9977-76037F2CED7E}" type="datetimeFigureOut">
               <a:rPr lang="zh-CN" altLang="en-US" smtClean="0"/>
-              <a:t>2019/5/13</a:t>
+              <a:t>2019/5/15</a:t>
             </a:fld>
             <a:endParaRPr lang="zh-CN" altLang="en-US"/>
           </a:p>
@@ -2101,7 +2109,7 @@
           <a:p>
             <a:fld id="{495B8E13-21BB-47ED-9977-76037F2CED7E}" type="datetimeFigureOut">
               <a:rPr lang="zh-CN" altLang="en-US" smtClean="0"/>
-              <a:t>2019/5/13</a:t>
+              <a:t>2019/5/15</a:t>
             </a:fld>
             <a:endParaRPr lang="zh-CN" altLang="en-US"/>
           </a:p>
@@ -2354,7 +2362,7 @@
           <a:p>
             <a:fld id="{495B8E13-21BB-47ED-9977-76037F2CED7E}" type="datetimeFigureOut">
               <a:rPr lang="zh-CN" altLang="en-US" smtClean="0"/>
-              <a:t>2019/5/13</a:t>
+              <a:t>2019/5/15</a:t>
             </a:fld>
             <a:endParaRPr lang="zh-CN" altLang="en-US"/>
           </a:p>
@@ -2567,7 +2575,7 @@
           <a:p>
             <a:fld id="{495B8E13-21BB-47ED-9977-76037F2CED7E}" type="datetimeFigureOut">
               <a:rPr lang="zh-CN" altLang="en-US" smtClean="0"/>
-              <a:t>2019/5/13</a:t>
+              <a:t>2019/5/15</a:t>
             </a:fld>
             <a:endParaRPr lang="zh-CN" altLang="en-US"/>
           </a:p>
@@ -3023,6 +3031,1203 @@
 </p:sld>
 </file>
 
+<file path=ppt/slides/slide10.xml><?xml version="1.0" encoding="utf-8"?>
+<p:sld xmlns:a="http://schemas.openxmlformats.org/drawingml/2006/main" xmlns:r="http://schemas.openxmlformats.org/officeDocument/2006/relationships" xmlns:p="http://schemas.openxmlformats.org/presentationml/2006/main">
+  <p:cSld>
+    <p:spTree>
+      <p:nvGrpSpPr>
+        <p:cNvPr id="1" name=""/>
+        <p:cNvGrpSpPr/>
+        <p:nvPr/>
+      </p:nvGrpSpPr>
+      <p:grpSpPr>
+        <a:xfrm>
+          <a:off x="0" y="0"/>
+          <a:ext cx="0" cy="0"/>
+          <a:chOff x="0" y="0"/>
+          <a:chExt cx="0" cy="0"/>
+        </a:xfrm>
+      </p:grpSpPr>
+      <p:sp>
+        <p:nvSpPr>
+          <p:cNvPr id="2" name="Title 1"/>
+          <p:cNvSpPr>
+            <a:spLocks noGrp="1"/>
+          </p:cNvSpPr>
+          <p:nvPr>
+            <p:ph type="title"/>
+          </p:nvPr>
+        </p:nvSpPr>
+        <p:spPr>
+          <a:xfrm>
+            <a:off x="203200" y="149225"/>
+            <a:ext cx="10515600" cy="1325563"/>
+          </a:xfrm>
+        </p:spPr>
+        <p:txBody>
+          <a:bodyPr/>
+          <a:lstStyle/>
+          <a:p>
+            <a:r>
+              <a:rPr lang="en-US" dirty="0" smtClean="0"/>
+              <a:t>Fast speaker diarization based on binary keys	</a:t>
+            </a:r>
+            <a:endParaRPr lang="en-US" dirty="0"/>
+          </a:p>
+        </p:txBody>
+      </p:sp>
+      <p:sp>
+        <p:nvSpPr>
+          <p:cNvPr id="3" name="Content Placeholder 2"/>
+          <p:cNvSpPr>
+            <a:spLocks noGrp="1"/>
+          </p:cNvSpPr>
+          <p:nvPr>
+            <p:ph idx="1"/>
+          </p:nvPr>
+        </p:nvSpPr>
+        <p:spPr>
+          <a:xfrm>
+            <a:off x="301625" y="1470024"/>
+            <a:ext cx="3648076" cy="5057776"/>
+          </a:xfrm>
+        </p:spPr>
+        <p:txBody>
+          <a:bodyPr>
+            <a:normAutofit fontScale="85000" lnSpcReduction="20000"/>
+          </a:bodyPr>
+          <a:lstStyle/>
+          <a:p>
+            <a:pPr marL="514350" indent="-514350">
+              <a:buAutoNum type="arabicPeriod"/>
+            </a:pPr>
+            <a:r>
+              <a:rPr lang="en-US" dirty="0" smtClean="0"/>
+              <a:t>Feature extraction (MFCCs)</a:t>
+            </a:r>
+          </a:p>
+          <a:p>
+            <a:pPr marL="514350" indent="-514350">
+              <a:buAutoNum type="arabicPeriod"/>
+            </a:pPr>
+            <a:r>
+              <a:rPr lang="en-US" dirty="0" smtClean="0"/>
+              <a:t>The input feature stream is windowed into frames of given length and overlapping</a:t>
+            </a:r>
+          </a:p>
+          <a:p>
+            <a:pPr marL="514350" indent="-514350">
+              <a:buAutoNum type="arabicPeriod"/>
+            </a:pPr>
+            <a:r>
+              <a:rPr lang="en-US" dirty="0" smtClean="0"/>
+              <a:t>Binary Key background Model (KBM) is trained internally with in-session content</a:t>
+            </a:r>
+          </a:p>
+          <a:p>
+            <a:pPr marL="514350" indent="-514350">
+              <a:buAutoNum type="arabicPeriod"/>
+            </a:pPr>
+            <a:r>
+              <a:rPr lang="en-US" dirty="0" smtClean="0"/>
+              <a:t>KBM is used to convert acoustic features into binary features</a:t>
+            </a:r>
+          </a:p>
+          <a:p>
+            <a:pPr marL="514350" indent="-514350">
+              <a:buAutoNum type="arabicPeriod"/>
+            </a:pPr>
+            <a:r>
+              <a:rPr lang="en-US" dirty="0" smtClean="0"/>
+              <a:t>Agglomerative clustering  + </a:t>
+            </a:r>
+            <a:r>
+              <a:rPr lang="en-US" dirty="0" err="1" smtClean="0"/>
+              <a:t>resegmentation</a:t>
+            </a:r>
+            <a:endParaRPr lang="en-US" dirty="0" smtClean="0"/>
+          </a:p>
+        </p:txBody>
+      </p:sp>
+      <p:pic>
+        <p:nvPicPr>
+          <p:cNvPr id="2050" name="Picture 2"/>
+          <p:cNvPicPr>
+            <a:picLocks noChangeAspect="1" noChangeArrowheads="1"/>
+          </p:cNvPicPr>
+          <p:nvPr/>
+        </p:nvPicPr>
+        <p:blipFill>
+          <a:blip r:embed="rId2">
+            <a:extLst>
+              <a:ext uri="{28A0092B-C50C-407E-A947-70E740481C1C}">
+                <a14:useLocalDpi xmlns:a14="http://schemas.microsoft.com/office/drawing/2010/main" val="0"/>
+              </a:ext>
+            </a:extLst>
+          </a:blip>
+          <a:srcRect/>
+          <a:stretch>
+            <a:fillRect/>
+          </a:stretch>
+        </p:blipFill>
+        <p:spPr bwMode="auto">
+          <a:xfrm>
+            <a:off x="3971924" y="1698625"/>
+            <a:ext cx="8220075" cy="4019550"/>
+          </a:xfrm>
+          <a:prstGeom prst="rect">
+            <a:avLst/>
+          </a:prstGeom>
+          <a:noFill/>
+          <a:ln>
+            <a:noFill/>
+          </a:ln>
+          <a:extLst>
+            <a:ext uri="{909E8E84-426E-40DD-AFC4-6F175D3DCCD1}">
+              <a14:hiddenFill xmlns:a14="http://schemas.microsoft.com/office/drawing/2010/main">
+                <a:solidFill>
+                  <a:schemeClr val="accent1"/>
+                </a:solidFill>
+              </a14:hiddenFill>
+            </a:ext>
+            <a:ext uri="{91240B29-F687-4F45-9708-019B960494DF}">
+              <a14:hiddenLine xmlns:a14="http://schemas.microsoft.com/office/drawing/2010/main" w="9525">
+                <a:solidFill>
+                  <a:schemeClr val="tx1"/>
+                </a:solidFill>
+                <a:miter lim="800000"/>
+                <a:headEnd/>
+                <a:tailEnd/>
+              </a14:hiddenLine>
+            </a:ext>
+          </a:extLst>
+        </p:spPr>
+      </p:pic>
+    </p:spTree>
+    <p:extLst>
+      <p:ext uri="{BB962C8B-B14F-4D97-AF65-F5344CB8AC3E}">
+        <p14:creationId xmlns:p14="http://schemas.microsoft.com/office/powerpoint/2010/main" val="720369286"/>
+      </p:ext>
+    </p:extLst>
+  </p:cSld>
+  <p:clrMapOvr>
+    <a:masterClrMapping/>
+  </p:clrMapOvr>
+</p:sld>
+</file>
+
+<file path=ppt/slides/slide11.xml><?xml version="1.0" encoding="utf-8"?>
+<p:sld xmlns:a="http://schemas.openxmlformats.org/drawingml/2006/main" xmlns:r="http://schemas.openxmlformats.org/officeDocument/2006/relationships" xmlns:p="http://schemas.openxmlformats.org/presentationml/2006/main">
+  <p:cSld>
+    <p:spTree>
+      <p:nvGrpSpPr>
+        <p:cNvPr id="1" name=""/>
+        <p:cNvGrpSpPr/>
+        <p:nvPr/>
+      </p:nvGrpSpPr>
+      <p:grpSpPr>
+        <a:xfrm>
+          <a:off x="0" y="0"/>
+          <a:ext cx="0" cy="0"/>
+          <a:chOff x="0" y="0"/>
+          <a:chExt cx="0" cy="0"/>
+        </a:xfrm>
+      </p:grpSpPr>
+      <p:sp>
+        <p:nvSpPr>
+          <p:cNvPr id="2" name="标题 1"/>
+          <p:cNvSpPr>
+            <a:spLocks noGrp="1"/>
+          </p:cNvSpPr>
+          <p:nvPr>
+            <p:ph type="title"/>
+          </p:nvPr>
+        </p:nvSpPr>
+        <p:spPr/>
+        <p:txBody>
+          <a:bodyPr/>
+          <a:lstStyle/>
+          <a:p>
+            <a:r>
+              <a:rPr lang="en-US" dirty="0"/>
+              <a:t>Fast speaker diarization based on binary keys	</a:t>
+            </a:r>
+            <a:endParaRPr lang="en-US" altLang="zh-CN" b="1" dirty="0"/>
+          </a:p>
+        </p:txBody>
+      </p:sp>
+      <p:sp>
+        <p:nvSpPr>
+          <p:cNvPr id="3" name="内容占位符 2"/>
+          <p:cNvSpPr>
+            <a:spLocks noGrp="1"/>
+          </p:cNvSpPr>
+          <p:nvPr>
+            <p:ph idx="1"/>
+          </p:nvPr>
+        </p:nvSpPr>
+        <p:spPr/>
+        <p:txBody>
+          <a:bodyPr>
+            <a:normAutofit lnSpcReduction="10000"/>
+          </a:bodyPr>
+          <a:lstStyle/>
+          <a:p>
+            <a:r>
+              <a:rPr lang="en-US" altLang="zh-CN" dirty="0" smtClean="0"/>
+              <a:t>In-session training of a binary key background model (KBM) </a:t>
+            </a:r>
+            <a:r>
+              <a:rPr lang="en-US" altLang="zh-CN" dirty="0" smtClean="0">
+                <a:sym typeface="Wingdings" panose="05000000000000000000" pitchFamily="2" charset="2"/>
+              </a:rPr>
+              <a:t> does </a:t>
+            </a:r>
+            <a:r>
+              <a:rPr lang="en-US" altLang="zh-CN" i="1" dirty="0" smtClean="0">
+                <a:sym typeface="Wingdings" panose="05000000000000000000" pitchFamily="2" charset="2"/>
+              </a:rPr>
+              <a:t>not require any </a:t>
+            </a:r>
+            <a:r>
+              <a:rPr lang="en-US" altLang="zh-CN" i="1" dirty="0" smtClean="0">
+                <a:solidFill>
+                  <a:srgbClr val="FF0000"/>
+                </a:solidFill>
+                <a:sym typeface="Wingdings" panose="05000000000000000000" pitchFamily="2" charset="2"/>
+              </a:rPr>
+              <a:t>external</a:t>
+            </a:r>
+            <a:r>
+              <a:rPr lang="en-US" altLang="zh-CN" i="1" dirty="0" smtClean="0">
+                <a:sym typeface="Wingdings" panose="05000000000000000000" pitchFamily="2" charset="2"/>
+              </a:rPr>
+              <a:t> training </a:t>
+            </a:r>
+            <a:r>
+              <a:rPr lang="en-US" altLang="zh-CN" i="1" dirty="0" smtClean="0">
+                <a:sym typeface="Wingdings" panose="05000000000000000000" pitchFamily="2" charset="2"/>
+              </a:rPr>
+              <a:t>data</a:t>
+            </a:r>
+          </a:p>
+          <a:p>
+            <a:r>
+              <a:rPr lang="en-US" altLang="zh-CN" dirty="0" smtClean="0"/>
+              <a:t>Clustering: </a:t>
+            </a:r>
+            <a:r>
+              <a:rPr lang="en-US" altLang="zh-CN" dirty="0"/>
+              <a:t>All operations are done with binary data, what makes the process </a:t>
+            </a:r>
+            <a:r>
+              <a:rPr lang="en-US" altLang="zh-CN" i="1" dirty="0">
+                <a:solidFill>
+                  <a:srgbClr val="FF0000"/>
+                </a:solidFill>
+              </a:rPr>
+              <a:t>faster</a:t>
+            </a:r>
+            <a:r>
+              <a:rPr lang="en-US" altLang="zh-CN" dirty="0">
+                <a:solidFill>
+                  <a:srgbClr val="FF0000"/>
+                </a:solidFill>
+              </a:rPr>
+              <a:t> </a:t>
+            </a:r>
+            <a:r>
+              <a:rPr lang="en-US" altLang="zh-CN" dirty="0"/>
+              <a:t>than with classic GMM-based approaches.</a:t>
+            </a:r>
+            <a:endParaRPr lang="zh-CN" altLang="en-US" dirty="0"/>
+          </a:p>
+          <a:p>
+            <a:endParaRPr lang="en-US" altLang="zh-CN" dirty="0" smtClean="0">
+              <a:sym typeface="Wingdings" panose="05000000000000000000" pitchFamily="2" charset="2"/>
+            </a:endParaRPr>
+          </a:p>
+          <a:p>
+            <a:r>
+              <a:rPr lang="en-US" altLang="zh-CN" dirty="0" smtClean="0">
+                <a:sym typeface="Wingdings" panose="05000000000000000000" pitchFamily="2" charset="2"/>
+              </a:rPr>
+              <a:t>Can it be online..? Possible sol:</a:t>
+            </a:r>
+          </a:p>
+          <a:p>
+            <a:pPr lvl="1"/>
+            <a:r>
+              <a:rPr lang="en-US" altLang="zh-CN" dirty="0" smtClean="0">
+                <a:sym typeface="Wingdings" panose="05000000000000000000" pitchFamily="2" charset="2"/>
+              </a:rPr>
+              <a:t>1) We can train the KBM externally using large amount data, then extract BKs in an online manner</a:t>
+            </a:r>
+          </a:p>
+          <a:p>
+            <a:pPr lvl="1"/>
+            <a:r>
+              <a:rPr lang="en-US" altLang="zh-CN" dirty="0" smtClean="0">
+                <a:sym typeface="Wingdings" panose="05000000000000000000" pitchFamily="2" charset="2"/>
+              </a:rPr>
+              <a:t>2) BK processing  hundredth of </a:t>
+            </a:r>
+            <a:r>
+              <a:rPr lang="en-US" altLang="zh-CN" dirty="0" err="1" smtClean="0">
+                <a:sym typeface="Wingdings" panose="05000000000000000000" pitchFamily="2" charset="2"/>
+              </a:rPr>
+              <a:t>realtime</a:t>
+            </a:r>
+            <a:r>
+              <a:rPr lang="en-US" altLang="zh-CN" dirty="0" smtClean="0">
+                <a:sym typeface="Wingdings" panose="05000000000000000000" pitchFamily="2" charset="2"/>
+              </a:rPr>
+              <a:t>; Capture online audio in some buffer to have acceptable data to train the KBM, then use it for the following audio</a:t>
+            </a:r>
+            <a:endParaRPr lang="en-US" altLang="zh-CN" dirty="0" smtClean="0">
+              <a:sym typeface="Wingdings" panose="05000000000000000000" pitchFamily="2" charset="2"/>
+            </a:endParaRPr>
+          </a:p>
+          <a:p>
+            <a:endParaRPr lang="en-US" altLang="zh-CN" dirty="0" smtClean="0">
+              <a:sym typeface="Wingdings" panose="05000000000000000000" pitchFamily="2" charset="2"/>
+            </a:endParaRPr>
+          </a:p>
+          <a:p>
+            <a:endParaRPr lang="zh-CN" altLang="en-US" dirty="0"/>
+          </a:p>
+        </p:txBody>
+      </p:sp>
+    </p:spTree>
+    <p:extLst>
+      <p:ext uri="{BB962C8B-B14F-4D97-AF65-F5344CB8AC3E}">
+        <p14:creationId xmlns:p14="http://schemas.microsoft.com/office/powerpoint/2010/main" val="4258562099"/>
+      </p:ext>
+    </p:extLst>
+  </p:cSld>
+  <p:clrMapOvr>
+    <a:masterClrMapping/>
+  </p:clrMapOvr>
+</p:sld>
+</file>
+
+<file path=ppt/slides/slide12.xml><?xml version="1.0" encoding="utf-8"?>
+<p:sld xmlns:a="http://schemas.openxmlformats.org/drawingml/2006/main" xmlns:r="http://schemas.openxmlformats.org/officeDocument/2006/relationships" xmlns:p="http://schemas.openxmlformats.org/presentationml/2006/main">
+  <p:cSld>
+    <p:spTree>
+      <p:nvGrpSpPr>
+        <p:cNvPr id="1" name=""/>
+        <p:cNvGrpSpPr/>
+        <p:nvPr/>
+      </p:nvGrpSpPr>
+      <p:grpSpPr>
+        <a:xfrm>
+          <a:off x="0" y="0"/>
+          <a:ext cx="0" cy="0"/>
+          <a:chOff x="0" y="0"/>
+          <a:chExt cx="0" cy="0"/>
+        </a:xfrm>
+      </p:grpSpPr>
+      <p:sp>
+        <p:nvSpPr>
+          <p:cNvPr id="2" name="Title 1"/>
+          <p:cNvSpPr>
+            <a:spLocks noGrp="1"/>
+          </p:cNvSpPr>
+          <p:nvPr>
+            <p:ph type="title"/>
+          </p:nvPr>
+        </p:nvSpPr>
+        <p:spPr>
+          <a:xfrm>
+            <a:off x="444500" y="161925"/>
+            <a:ext cx="10515600" cy="1325563"/>
+          </a:xfrm>
+        </p:spPr>
+        <p:txBody>
+          <a:bodyPr>
+            <a:normAutofit/>
+          </a:bodyPr>
+          <a:lstStyle/>
+          <a:p>
+            <a:r>
+              <a:rPr lang="en-US" sz="3600" dirty="0"/>
+              <a:t> Unbounded Interleaved-State Recurrent Neural Network (UIS-RNN) </a:t>
+            </a:r>
+            <a:endParaRPr lang="en-US" sz="3600" dirty="0"/>
+          </a:p>
+        </p:txBody>
+      </p:sp>
+      <p:sp>
+        <p:nvSpPr>
+          <p:cNvPr id="3" name="Content Placeholder 2"/>
+          <p:cNvSpPr>
+            <a:spLocks noGrp="1"/>
+          </p:cNvSpPr>
+          <p:nvPr>
+            <p:ph idx="1"/>
+          </p:nvPr>
+        </p:nvSpPr>
+        <p:spPr>
+          <a:xfrm>
+            <a:off x="812800" y="1381125"/>
+            <a:ext cx="11125200" cy="4351338"/>
+          </a:xfrm>
+        </p:spPr>
+        <p:txBody>
+          <a:bodyPr>
+            <a:normAutofit/>
+          </a:bodyPr>
+          <a:lstStyle/>
+          <a:p>
+            <a:r>
+              <a:rPr lang="en-US" dirty="0" smtClean="0"/>
+              <a:t>Developed by google</a:t>
+            </a:r>
+          </a:p>
+          <a:p>
+            <a:r>
+              <a:rPr lang="en-US" dirty="0" smtClean="0"/>
+              <a:t>Motivation: Clustering is </a:t>
+            </a:r>
+            <a:r>
+              <a:rPr lang="en-US" altLang="zh-CN" dirty="0" smtClean="0"/>
+              <a:t>not </a:t>
+            </a:r>
+            <a:r>
+              <a:rPr lang="en-US" altLang="zh-CN" dirty="0"/>
+              <a:t>good enough in speaker diarization </a:t>
+            </a:r>
+            <a:r>
+              <a:rPr lang="en-US" altLang="zh-CN" dirty="0" smtClean="0"/>
+              <a:t>because:</a:t>
+            </a:r>
+            <a:endParaRPr lang="en-US" altLang="zh-CN" dirty="0"/>
+          </a:p>
+          <a:p>
+            <a:pPr lvl="1"/>
+            <a:r>
+              <a:rPr lang="en-US" altLang="zh-CN" dirty="0" smtClean="0"/>
+              <a:t>It can’t </a:t>
+            </a:r>
+            <a:r>
+              <a:rPr lang="en-US" altLang="zh-CN" dirty="0"/>
+              <a:t>learn from examples, based on rules</a:t>
+            </a:r>
+          </a:p>
+          <a:p>
+            <a:pPr lvl="1"/>
+            <a:r>
+              <a:rPr lang="en-US" altLang="zh-CN" dirty="0" smtClean="0"/>
+              <a:t>It can’t </a:t>
+            </a:r>
+            <a:r>
+              <a:rPr lang="en-US" altLang="zh-CN" dirty="0"/>
+              <a:t>incorporate temporal </a:t>
+            </a:r>
+            <a:r>
+              <a:rPr lang="en-US" altLang="zh-CN" dirty="0" smtClean="0"/>
+              <a:t>information</a:t>
+            </a:r>
+          </a:p>
+          <a:p>
+            <a:r>
+              <a:rPr lang="en-US" altLang="zh-CN" dirty="0"/>
+              <a:t>Supervised </a:t>
+            </a:r>
+            <a:r>
+              <a:rPr lang="en-US" altLang="zh-CN" dirty="0" smtClean="0"/>
+              <a:t>diarization: Make </a:t>
+            </a:r>
+            <a:r>
+              <a:rPr lang="en-US" altLang="zh-CN" dirty="0"/>
+              <a:t>full use of speaker labels and their timestamps in training data</a:t>
+            </a:r>
+          </a:p>
+          <a:p>
+            <a:endParaRPr lang="en-US" altLang="zh-CN" dirty="0" smtClean="0"/>
+          </a:p>
+          <a:p>
+            <a:r>
+              <a:rPr lang="en-US" altLang="zh-CN" dirty="0" smtClean="0"/>
+              <a:t>Training data </a:t>
+            </a:r>
+            <a:r>
+              <a:rPr lang="en-US" altLang="zh-CN" dirty="0" smtClean="0">
+                <a:sym typeface="Wingdings" panose="05000000000000000000" pitchFamily="2" charset="2"/>
+              </a:rPr>
+              <a:t> embedding  train UIS-RNN model  predict the speaker in test data</a:t>
+            </a:r>
+            <a:endParaRPr lang="en-US" altLang="zh-CN" dirty="0" smtClean="0"/>
+          </a:p>
+          <a:p>
+            <a:endParaRPr lang="en-US" altLang="zh-CN" dirty="0"/>
+          </a:p>
+          <a:p>
+            <a:endParaRPr lang="en-US" dirty="0"/>
+          </a:p>
+          <a:p>
+            <a:endParaRPr lang="en-US" dirty="0"/>
+          </a:p>
+        </p:txBody>
+      </p:sp>
+    </p:spTree>
+    <p:extLst>
+      <p:ext uri="{BB962C8B-B14F-4D97-AF65-F5344CB8AC3E}">
+        <p14:creationId xmlns:p14="http://schemas.microsoft.com/office/powerpoint/2010/main" val="2150833772"/>
+      </p:ext>
+    </p:extLst>
+  </p:cSld>
+  <p:clrMapOvr>
+    <a:masterClrMapping/>
+  </p:clrMapOvr>
+  <p:timing>
+    <p:tnLst>
+      <p:par>
+        <p:cTn id="1" dur="indefinite" restart="never" nodeType="tmRoot"/>
+      </p:par>
+    </p:tnLst>
+  </p:timing>
+</p:sld>
+</file>
+
+<file path=ppt/slides/slide13.xml><?xml version="1.0" encoding="utf-8"?>
+<p:sld xmlns:a="http://schemas.openxmlformats.org/drawingml/2006/main" xmlns:r="http://schemas.openxmlformats.org/officeDocument/2006/relationships" xmlns:p="http://schemas.openxmlformats.org/presentationml/2006/main">
+  <p:cSld>
+    <p:spTree>
+      <p:nvGrpSpPr>
+        <p:cNvPr id="1" name=""/>
+        <p:cNvGrpSpPr/>
+        <p:nvPr/>
+      </p:nvGrpSpPr>
+      <p:grpSpPr>
+        <a:xfrm>
+          <a:off x="0" y="0"/>
+          <a:ext cx="0" cy="0"/>
+          <a:chOff x="0" y="0"/>
+          <a:chExt cx="0" cy="0"/>
+        </a:xfrm>
+      </p:grpSpPr>
+      <p:sp>
+        <p:nvSpPr>
+          <p:cNvPr id="2" name="Title 1"/>
+          <p:cNvSpPr>
+            <a:spLocks noGrp="1"/>
+          </p:cNvSpPr>
+          <p:nvPr>
+            <p:ph type="title"/>
+          </p:nvPr>
+        </p:nvSpPr>
+        <p:spPr/>
+        <p:txBody>
+          <a:bodyPr/>
+          <a:lstStyle/>
+          <a:p>
+            <a:endParaRPr lang="en-US"/>
+          </a:p>
+        </p:txBody>
+      </p:sp>
+      <p:pic>
+        <p:nvPicPr>
+          <p:cNvPr id="4" name="Content Placeholder 3"/>
+          <p:cNvPicPr>
+            <a:picLocks noGrp="1" noChangeAspect="1"/>
+          </p:cNvPicPr>
+          <p:nvPr>
+            <p:ph idx="1"/>
+          </p:nvPr>
+        </p:nvPicPr>
+        <p:blipFill>
+          <a:blip r:embed="rId2">
+            <a:extLst>
+              <a:ext uri="{28A0092B-C50C-407E-A947-70E740481C1C}">
+                <a14:useLocalDpi xmlns:a14="http://schemas.microsoft.com/office/drawing/2010/main" val="0"/>
+              </a:ext>
+            </a:extLst>
+          </a:blip>
+          <a:stretch>
+            <a:fillRect/>
+          </a:stretch>
+        </p:blipFill>
+        <p:spPr>
+          <a:xfrm>
+            <a:off x="828674" y="1826418"/>
+            <a:ext cx="6486525" cy="3794005"/>
+          </a:xfrm>
+        </p:spPr>
+      </p:pic>
+    </p:spTree>
+    <p:extLst>
+      <p:ext uri="{BB962C8B-B14F-4D97-AF65-F5344CB8AC3E}">
+        <p14:creationId xmlns:p14="http://schemas.microsoft.com/office/powerpoint/2010/main" val="10171036"/>
+      </p:ext>
+    </p:extLst>
+  </p:cSld>
+  <p:clrMapOvr>
+    <a:masterClrMapping/>
+  </p:clrMapOvr>
+  <p:timing>
+    <p:tnLst>
+      <p:par>
+        <p:cTn id="1" dur="indefinite" restart="never" nodeType="tmRoot"/>
+      </p:par>
+    </p:tnLst>
+  </p:timing>
+</p:sld>
+</file>
+
+<file path=ppt/slides/slide14.xml><?xml version="1.0" encoding="utf-8"?>
+<p:sld xmlns:a="http://schemas.openxmlformats.org/drawingml/2006/main" xmlns:r="http://schemas.openxmlformats.org/officeDocument/2006/relationships" xmlns:p="http://schemas.openxmlformats.org/presentationml/2006/main">
+  <p:cSld>
+    <p:spTree>
+      <p:nvGrpSpPr>
+        <p:cNvPr id="1" name=""/>
+        <p:cNvGrpSpPr/>
+        <p:nvPr/>
+      </p:nvGrpSpPr>
+      <p:grpSpPr>
+        <a:xfrm>
+          <a:off x="0" y="0"/>
+          <a:ext cx="0" cy="0"/>
+          <a:chOff x="0" y="0"/>
+          <a:chExt cx="0" cy="0"/>
+        </a:xfrm>
+      </p:grpSpPr>
+      <p:sp>
+        <p:nvSpPr>
+          <p:cNvPr id="2" name="标题 1"/>
+          <p:cNvSpPr>
+            <a:spLocks noGrp="1"/>
+          </p:cNvSpPr>
+          <p:nvPr>
+            <p:ph type="title"/>
+          </p:nvPr>
+        </p:nvSpPr>
+        <p:spPr/>
+        <p:txBody>
+          <a:bodyPr/>
+          <a:lstStyle/>
+          <a:p>
+            <a:endParaRPr lang="zh-CN" altLang="en-US"/>
+          </a:p>
+        </p:txBody>
+      </p:sp>
+      <p:sp>
+        <p:nvSpPr>
+          <p:cNvPr id="3" name="内容占位符 2"/>
+          <p:cNvSpPr>
+            <a:spLocks noGrp="1"/>
+          </p:cNvSpPr>
+          <p:nvPr>
+            <p:ph idx="1"/>
+          </p:nvPr>
+        </p:nvSpPr>
+        <p:spPr/>
+        <p:txBody>
+          <a:bodyPr/>
+          <a:lstStyle/>
+          <a:p>
+            <a:r>
+              <a:rPr lang="en-US" altLang="zh-CN" dirty="0" smtClean="0"/>
+              <a:t>Speaker embedding: extract fixed dim vector from audio</a:t>
+            </a:r>
+          </a:p>
+          <a:p>
+            <a:r>
+              <a:rPr lang="en-US" altLang="zh-CN" dirty="0" smtClean="0"/>
+              <a:t>Utterances of same speaker: similar embedding;</a:t>
+            </a:r>
+          </a:p>
+          <a:p>
+            <a:r>
+              <a:rPr lang="en-US" altLang="zh-CN" dirty="0" smtClean="0"/>
+              <a:t>Utterances of difference speaker: distinct embedding;</a:t>
+            </a:r>
+          </a:p>
+          <a:p>
+            <a:endParaRPr lang="en-US" altLang="zh-CN" dirty="0" smtClean="0"/>
+          </a:p>
+          <a:p>
+            <a:r>
+              <a:rPr lang="en-US" altLang="zh-CN" dirty="0" err="1" smtClean="0"/>
+              <a:t>i</a:t>
+            </a:r>
+            <a:r>
+              <a:rPr lang="en-US" altLang="zh-CN" dirty="0" smtClean="0"/>
+              <a:t>-vector, d-vector… </a:t>
+            </a:r>
+          </a:p>
+          <a:p>
+            <a:endParaRPr lang="en-US" altLang="zh-CN" dirty="0"/>
+          </a:p>
+          <a:p>
+            <a:r>
+              <a:rPr lang="en-US" altLang="zh-CN" dirty="0" smtClean="0"/>
+              <a:t>Fixed-length segment </a:t>
+            </a:r>
+            <a:r>
+              <a:rPr lang="en-US" altLang="zh-CN" dirty="0" smtClean="0">
+                <a:sym typeface="Wingdings" panose="05000000000000000000" pitchFamily="2" charset="2"/>
+              </a:rPr>
+              <a:t> neural network (LSTM network)  D-vector</a:t>
+            </a:r>
+            <a:endParaRPr lang="zh-CN" altLang="en-US" dirty="0"/>
+          </a:p>
+        </p:txBody>
+      </p:sp>
+    </p:spTree>
+    <p:extLst>
+      <p:ext uri="{BB962C8B-B14F-4D97-AF65-F5344CB8AC3E}">
+        <p14:creationId xmlns:p14="http://schemas.microsoft.com/office/powerpoint/2010/main" val="2426560506"/>
+      </p:ext>
+    </p:extLst>
+  </p:cSld>
+  <p:clrMapOvr>
+    <a:masterClrMapping/>
+  </p:clrMapOvr>
+  <p:timing>
+    <p:tnLst>
+      <p:par>
+        <p:cTn id="1" dur="indefinite" restart="never" nodeType="tmRoot"/>
+      </p:par>
+    </p:tnLst>
+  </p:timing>
+</p:sld>
+</file>
+
+<file path=ppt/slides/slide15.xml><?xml version="1.0" encoding="utf-8"?>
+<p:sld xmlns:a="http://schemas.openxmlformats.org/drawingml/2006/main" xmlns:r="http://schemas.openxmlformats.org/officeDocument/2006/relationships" xmlns:p="http://schemas.openxmlformats.org/presentationml/2006/main">
+  <p:cSld>
+    <p:spTree>
+      <p:nvGrpSpPr>
+        <p:cNvPr id="1" name=""/>
+        <p:cNvGrpSpPr/>
+        <p:nvPr/>
+      </p:nvGrpSpPr>
+      <p:grpSpPr>
+        <a:xfrm>
+          <a:off x="0" y="0"/>
+          <a:ext cx="0" cy="0"/>
+          <a:chOff x="0" y="0"/>
+          <a:chExt cx="0" cy="0"/>
+        </a:xfrm>
+      </p:grpSpPr>
+      <p:sp>
+        <p:nvSpPr>
+          <p:cNvPr id="2" name="标题 1"/>
+          <p:cNvSpPr>
+            <a:spLocks noGrp="1"/>
+          </p:cNvSpPr>
+          <p:nvPr>
+            <p:ph type="title"/>
+          </p:nvPr>
+        </p:nvSpPr>
+        <p:spPr/>
+        <p:txBody>
+          <a:bodyPr/>
+          <a:lstStyle/>
+          <a:p>
+            <a:endParaRPr lang="zh-CN" altLang="en-US"/>
+          </a:p>
+        </p:txBody>
+      </p:sp>
+      <p:sp>
+        <p:nvSpPr>
+          <p:cNvPr id="3" name="内容占位符 2"/>
+          <p:cNvSpPr>
+            <a:spLocks noGrp="1"/>
+          </p:cNvSpPr>
+          <p:nvPr>
+            <p:ph idx="1"/>
+          </p:nvPr>
+        </p:nvSpPr>
+        <p:spPr/>
+        <p:txBody>
+          <a:bodyPr>
+            <a:normAutofit fontScale="77500" lnSpcReduction="20000"/>
+          </a:bodyPr>
+          <a:lstStyle/>
+          <a:p>
+            <a:r>
+              <a:rPr lang="en-US" altLang="zh-CN" dirty="0" smtClean="0"/>
+              <a:t>Clustering – not good enough in speaker diarization </a:t>
+            </a:r>
+          </a:p>
+          <a:p>
+            <a:r>
+              <a:rPr lang="en-US" altLang="zh-CN" dirty="0" smtClean="0"/>
+              <a:t>Can’t learn from examples, based on rules</a:t>
+            </a:r>
+          </a:p>
+          <a:p>
+            <a:r>
+              <a:rPr lang="en-US" altLang="zh-CN" dirty="0" smtClean="0"/>
+              <a:t>Can’t incorporate temporal information</a:t>
+            </a:r>
+          </a:p>
+          <a:p>
+            <a:endParaRPr lang="en-US" altLang="zh-CN" dirty="0" smtClean="0"/>
+          </a:p>
+          <a:p>
+            <a:r>
+              <a:rPr lang="en-US" altLang="zh-CN" dirty="0" smtClean="0"/>
+              <a:t>Supervised diarization</a:t>
+            </a:r>
+            <a:endParaRPr lang="en-US" altLang="zh-CN" dirty="0"/>
+          </a:p>
+          <a:p>
+            <a:r>
+              <a:rPr lang="en-US" altLang="zh-CN" dirty="0" smtClean="0"/>
+              <a:t>Make full use of speaker labels and their timestamps in training data</a:t>
+            </a:r>
+          </a:p>
+          <a:p>
+            <a:r>
+              <a:rPr lang="en-US" altLang="zh-CN" dirty="0" smtClean="0"/>
+              <a:t>Domain-specific: train a model in one domain </a:t>
+            </a:r>
+            <a:r>
+              <a:rPr lang="en-US" altLang="zh-CN" dirty="0" smtClean="0">
+                <a:sym typeface="Wingdings" panose="05000000000000000000" pitchFamily="2" charset="2"/>
+              </a:rPr>
+              <a:t> can’t work well for the others</a:t>
+            </a:r>
+          </a:p>
+          <a:p>
+            <a:r>
+              <a:rPr lang="en-US" altLang="zh-CN" dirty="0" smtClean="0">
+                <a:sym typeface="Wingdings" panose="05000000000000000000" pitchFamily="2" charset="2"/>
+              </a:rPr>
+              <a:t>Training: observation sequence (</a:t>
+            </a:r>
+            <a:r>
+              <a:rPr lang="en-US" altLang="zh-CN" dirty="0" err="1" smtClean="0">
+                <a:sym typeface="Wingdings" panose="05000000000000000000" pitchFamily="2" charset="2"/>
+              </a:rPr>
+              <a:t>embeddings</a:t>
+            </a:r>
+            <a:r>
+              <a:rPr lang="en-US" altLang="zh-CN" dirty="0" smtClean="0">
+                <a:sym typeface="Wingdings" panose="05000000000000000000" pitchFamily="2" charset="2"/>
+              </a:rPr>
+              <a:t>), </a:t>
+            </a:r>
+          </a:p>
+          <a:p>
+            <a:pPr marL="0" indent="0">
+              <a:buNone/>
+            </a:pPr>
+            <a:r>
+              <a:rPr lang="en-US" altLang="zh-CN" dirty="0">
+                <a:sym typeface="Wingdings" panose="05000000000000000000" pitchFamily="2" charset="2"/>
+              </a:rPr>
+              <a:t>	 </a:t>
+            </a:r>
+            <a:r>
+              <a:rPr lang="en-US" altLang="zh-CN" dirty="0" smtClean="0">
+                <a:sym typeface="Wingdings" panose="05000000000000000000" pitchFamily="2" charset="2"/>
+              </a:rPr>
+              <a:t>      Label sequence (speakers for </a:t>
+            </a:r>
+            <a:r>
+              <a:rPr lang="en-US" altLang="zh-CN" dirty="0" err="1" smtClean="0">
+                <a:sym typeface="Wingdings" panose="05000000000000000000" pitchFamily="2" charset="2"/>
+              </a:rPr>
+              <a:t>embeddings</a:t>
+            </a:r>
+            <a:r>
+              <a:rPr lang="en-US" altLang="zh-CN" dirty="0" smtClean="0">
+                <a:sym typeface="Wingdings" panose="05000000000000000000" pitchFamily="2" charset="2"/>
+              </a:rPr>
+              <a:t>)</a:t>
+            </a:r>
+          </a:p>
+          <a:p>
+            <a:pPr marL="0" indent="0">
+              <a:buNone/>
+            </a:pPr>
+            <a:r>
+              <a:rPr lang="en-US" altLang="zh-CN" dirty="0" smtClean="0">
+                <a:sym typeface="Wingdings" panose="05000000000000000000" pitchFamily="2" charset="2"/>
+              </a:rPr>
+              <a:t>Training data  dataset with timestamped speaker label</a:t>
+            </a:r>
+          </a:p>
+          <a:p>
+            <a:pPr marL="0" indent="0">
+              <a:buNone/>
+            </a:pPr>
+            <a:r>
+              <a:rPr lang="en-US" altLang="zh-CN" dirty="0" smtClean="0">
+                <a:sym typeface="Wingdings" panose="05000000000000000000" pitchFamily="2" charset="2"/>
+              </a:rPr>
+              <a:t>Small improvements but online</a:t>
+            </a:r>
+          </a:p>
+          <a:p>
+            <a:pPr marL="0" indent="0">
+              <a:buNone/>
+            </a:pPr>
+            <a:r>
+              <a:rPr lang="en-US" altLang="zh-CN" dirty="0" smtClean="0">
+                <a:sym typeface="Wingdings" panose="05000000000000000000" pitchFamily="2" charset="2"/>
+              </a:rPr>
+              <a:t>D-vectors  speaker recognition network; used as known observation </a:t>
+            </a:r>
+            <a:endParaRPr lang="en-US" altLang="zh-CN" dirty="0" smtClean="0"/>
+          </a:p>
+          <a:p>
+            <a:endParaRPr lang="en-US" altLang="zh-CN" dirty="0" smtClean="0"/>
+          </a:p>
+          <a:p>
+            <a:endParaRPr lang="zh-CN" altLang="en-US" dirty="0"/>
+          </a:p>
+        </p:txBody>
+      </p:sp>
+    </p:spTree>
+    <p:extLst>
+      <p:ext uri="{BB962C8B-B14F-4D97-AF65-F5344CB8AC3E}">
+        <p14:creationId xmlns:p14="http://schemas.microsoft.com/office/powerpoint/2010/main" val="3968051627"/>
+      </p:ext>
+    </p:extLst>
+  </p:cSld>
+  <p:clrMapOvr>
+    <a:masterClrMapping/>
+  </p:clrMapOvr>
+  <p:timing>
+    <p:tnLst>
+      <p:par>
+        <p:cTn id="1" dur="indefinite" restart="never" nodeType="tmRoot"/>
+      </p:par>
+    </p:tnLst>
+  </p:timing>
+</p:sld>
+</file>
+
+<file path=ppt/slides/slide16.xml><?xml version="1.0" encoding="utf-8"?>
+<p:sld xmlns:a="http://schemas.openxmlformats.org/drawingml/2006/main" xmlns:r="http://schemas.openxmlformats.org/officeDocument/2006/relationships" xmlns:p="http://schemas.openxmlformats.org/presentationml/2006/main">
+  <p:cSld>
+    <p:spTree>
+      <p:nvGrpSpPr>
+        <p:cNvPr id="1" name=""/>
+        <p:cNvGrpSpPr/>
+        <p:nvPr/>
+      </p:nvGrpSpPr>
+      <p:grpSpPr>
+        <a:xfrm>
+          <a:off x="0" y="0"/>
+          <a:ext cx="0" cy="0"/>
+          <a:chOff x="0" y="0"/>
+          <a:chExt cx="0" cy="0"/>
+        </a:xfrm>
+      </p:grpSpPr>
+      <p:sp>
+        <p:nvSpPr>
+          <p:cNvPr id="2" name="标题 1"/>
+          <p:cNvSpPr>
+            <a:spLocks noGrp="1"/>
+          </p:cNvSpPr>
+          <p:nvPr>
+            <p:ph type="title"/>
+          </p:nvPr>
+        </p:nvSpPr>
+        <p:spPr/>
+        <p:txBody>
+          <a:bodyPr/>
+          <a:lstStyle/>
+          <a:p>
+            <a:endParaRPr lang="zh-CN" altLang="en-US"/>
+          </a:p>
+        </p:txBody>
+      </p:sp>
+      <p:sp>
+        <p:nvSpPr>
+          <p:cNvPr id="3" name="内容占位符 2"/>
+          <p:cNvSpPr>
+            <a:spLocks noGrp="1"/>
+          </p:cNvSpPr>
+          <p:nvPr>
+            <p:ph idx="1"/>
+          </p:nvPr>
+        </p:nvSpPr>
+        <p:spPr/>
+        <p:txBody>
+          <a:bodyPr>
+            <a:normAutofit lnSpcReduction="10000"/>
+          </a:bodyPr>
+          <a:lstStyle/>
+          <a:p>
+            <a:r>
+              <a:rPr lang="en-US" altLang="zh-CN" dirty="0" smtClean="0"/>
+              <a:t>Acoustic processing:  map input features </a:t>
+            </a:r>
+            <a:r>
+              <a:rPr lang="en-US" altLang="zh-CN" dirty="0" smtClean="0">
+                <a:sym typeface="Wingdings" panose="05000000000000000000" pitchFamily="2" charset="2"/>
+              </a:rPr>
+              <a:t> sequence of binary keys</a:t>
+            </a:r>
+          </a:p>
+          <a:p>
+            <a:r>
+              <a:rPr lang="en-US" altLang="zh-CN" dirty="0" err="1" smtClean="0">
+                <a:sym typeface="Wingdings" panose="05000000000000000000" pitchFamily="2" charset="2"/>
+              </a:rPr>
+              <a:t>Diariazation</a:t>
+            </a:r>
+            <a:r>
+              <a:rPr lang="en-US" altLang="zh-CN" dirty="0" smtClean="0">
+                <a:sym typeface="Wingdings" panose="05000000000000000000" pitchFamily="2" charset="2"/>
+              </a:rPr>
+              <a:t>: Agglomerative Hierarchical Clustering (AHC) over BKs</a:t>
+            </a:r>
+          </a:p>
+          <a:p>
+            <a:endParaRPr lang="en-US" altLang="zh-CN" dirty="0" smtClean="0">
+              <a:sym typeface="Wingdings" panose="05000000000000000000" pitchFamily="2" charset="2"/>
+            </a:endParaRPr>
+          </a:p>
+          <a:p>
+            <a:r>
+              <a:rPr lang="en-US" altLang="zh-CN" dirty="0" smtClean="0">
+                <a:sym typeface="Wingdings" panose="05000000000000000000" pitchFamily="2" charset="2"/>
+              </a:rPr>
+              <a:t>Input data  equal-sized segments  binary key (BKs) or cumulative vector (CV) is extracted </a:t>
+            </a:r>
+          </a:p>
+          <a:p>
+            <a:endParaRPr lang="en-US" altLang="zh-CN" dirty="0">
+              <a:sym typeface="Wingdings" panose="05000000000000000000" pitchFamily="2" charset="2"/>
+            </a:endParaRPr>
+          </a:p>
+          <a:p>
+            <a:r>
+              <a:rPr lang="en-US" altLang="zh-CN" dirty="0" smtClean="0">
+                <a:sym typeface="Wingdings" panose="05000000000000000000" pitchFamily="2" charset="2"/>
+              </a:rPr>
+              <a:t>Binary key background model (KBM) training:</a:t>
+            </a:r>
+          </a:p>
+          <a:p>
+            <a:r>
+              <a:rPr lang="en-US" altLang="zh-CN" dirty="0" smtClean="0">
+                <a:sym typeface="Wingdings" panose="05000000000000000000" pitchFamily="2" charset="2"/>
+              </a:rPr>
+              <a:t>Input feature stream  frames (each frame trained by a Gaussian model)  pool of Gaussian components  select the most dissimilar Gaussian</a:t>
+            </a:r>
+            <a:endParaRPr lang="zh-CN" altLang="en-US" dirty="0"/>
+          </a:p>
+        </p:txBody>
+      </p:sp>
+    </p:spTree>
+    <p:extLst>
+      <p:ext uri="{BB962C8B-B14F-4D97-AF65-F5344CB8AC3E}">
+        <p14:creationId xmlns:p14="http://schemas.microsoft.com/office/powerpoint/2010/main" val="1591756437"/>
+      </p:ext>
+    </p:extLst>
+  </p:cSld>
+  <p:clrMapOvr>
+    <a:masterClrMapping/>
+  </p:clrMapOvr>
+</p:sld>
+</file>
+
+<file path=ppt/slides/slide17.xml><?xml version="1.0" encoding="utf-8"?>
+<p:sld xmlns:a="http://schemas.openxmlformats.org/drawingml/2006/main" xmlns:r="http://schemas.openxmlformats.org/officeDocument/2006/relationships" xmlns:p="http://schemas.openxmlformats.org/presentationml/2006/main">
+  <p:cSld>
+    <p:spTree>
+      <p:nvGrpSpPr>
+        <p:cNvPr id="1" name=""/>
+        <p:cNvGrpSpPr/>
+        <p:nvPr/>
+      </p:nvGrpSpPr>
+      <p:grpSpPr>
+        <a:xfrm>
+          <a:off x="0" y="0"/>
+          <a:ext cx="0" cy="0"/>
+          <a:chOff x="0" y="0"/>
+          <a:chExt cx="0" cy="0"/>
+        </a:xfrm>
+      </p:grpSpPr>
+      <p:sp>
+        <p:nvSpPr>
+          <p:cNvPr id="2" name="标题 1"/>
+          <p:cNvSpPr>
+            <a:spLocks noGrp="1"/>
+          </p:cNvSpPr>
+          <p:nvPr>
+            <p:ph type="title"/>
+          </p:nvPr>
+        </p:nvSpPr>
+        <p:spPr/>
+        <p:txBody>
+          <a:bodyPr/>
+          <a:lstStyle/>
+          <a:p>
+            <a:endParaRPr lang="zh-CN" altLang="en-US"/>
+          </a:p>
+        </p:txBody>
+      </p:sp>
+      <p:sp>
+        <p:nvSpPr>
+          <p:cNvPr id="3" name="内容占位符 2"/>
+          <p:cNvSpPr>
+            <a:spLocks noGrp="1"/>
+          </p:cNvSpPr>
+          <p:nvPr>
+            <p:ph idx="1"/>
+          </p:nvPr>
+        </p:nvSpPr>
+        <p:spPr/>
+        <p:txBody>
+          <a:bodyPr/>
+          <a:lstStyle/>
+          <a:p>
+            <a:r>
+              <a:rPr lang="en-US" altLang="zh-CN" dirty="0"/>
+              <a:t>agglomerative clustering </a:t>
+            </a:r>
+            <a:r>
+              <a:rPr lang="en-US" altLang="zh-CN" dirty="0" smtClean="0"/>
+              <a:t>approach: All </a:t>
+            </a:r>
+            <a:r>
+              <a:rPr lang="en-US" altLang="zh-CN" dirty="0"/>
+              <a:t>operations are done with binary </a:t>
+            </a:r>
+            <a:r>
+              <a:rPr lang="en-US" altLang="zh-CN" dirty="0" smtClean="0"/>
+              <a:t>data, what </a:t>
+            </a:r>
+            <a:r>
+              <a:rPr lang="en-US" altLang="zh-CN" dirty="0"/>
+              <a:t>makes the process faster than with classic </a:t>
+            </a:r>
+            <a:r>
+              <a:rPr lang="en-US" altLang="zh-CN" dirty="0" smtClean="0"/>
+              <a:t>GMM-based approaches</a:t>
+            </a:r>
+            <a:r>
+              <a:rPr lang="en-US" altLang="zh-CN" dirty="0"/>
+              <a:t>.</a:t>
+            </a:r>
+            <a:endParaRPr lang="zh-CN" altLang="en-US" dirty="0"/>
+          </a:p>
+        </p:txBody>
+      </p:sp>
+    </p:spTree>
+    <p:extLst>
+      <p:ext uri="{BB962C8B-B14F-4D97-AF65-F5344CB8AC3E}">
+        <p14:creationId xmlns:p14="http://schemas.microsoft.com/office/powerpoint/2010/main" val="2455412108"/>
+      </p:ext>
+    </p:extLst>
+  </p:cSld>
+  <p:clrMapOvr>
+    <a:masterClrMapping/>
+  </p:clrMapOvr>
+</p:sld>
+</file>
+
 <file path=ppt/slides/slide2.xml><?xml version="1.0" encoding="utf-8"?>
 <p:sld xmlns:a="http://schemas.openxmlformats.org/drawingml/2006/main" xmlns:r="http://schemas.openxmlformats.org/officeDocument/2006/relationships" xmlns:p="http://schemas.openxmlformats.org/presentationml/2006/main">
   <p:cSld>
@@ -3052,13 +4257,34 @@
         </p:nvSpPr>
         <p:spPr/>
         <p:txBody>
-          <a:bodyPr/>
-          <a:lstStyle/>
-          <a:p>
-            <a:r>
-              <a:rPr lang="en-US" altLang="zh-CN" dirty="0" smtClean="0"/>
-              <a:t>Speaker diarization</a:t>
-            </a:r>
+          <a:bodyPr>
+            <a:normAutofit fontScale="90000"/>
+          </a:bodyPr>
+          <a:lstStyle/>
+          <a:p>
+            <a:r>
+              <a:rPr lang="en-US" altLang="zh-CN" sz="3100" b="1" dirty="0" smtClean="0"/>
+              <a:t>Speaker </a:t>
+            </a:r>
+            <a:r>
+              <a:rPr lang="en-US" altLang="zh-CN" sz="3100" b="1" dirty="0" smtClean="0"/>
+              <a:t>diarization</a:t>
+            </a:r>
+            <a:r>
+              <a:rPr lang="en-US" altLang="zh-CN" sz="3100" b="1" dirty="0"/>
+              <a:t>: </a:t>
+            </a:r>
+            <a:r>
+              <a:rPr lang="en-US" altLang="zh-CN" sz="3100" dirty="0"/>
+              <a:t>partitioning an input audio stream into homogeneous segments according to speaker identity</a:t>
+            </a:r>
+            <a:r>
+              <a:rPr lang="en-US" altLang="zh-CN" dirty="0"/>
+              <a:t/>
+            </a:r>
+            <a:br>
+              <a:rPr lang="en-US" altLang="zh-CN" dirty="0"/>
+            </a:br>
             <a:endParaRPr lang="zh-CN" altLang="en-US" dirty="0"/>
           </a:p>
         </p:txBody>
@@ -3076,33 +4302,53 @@
         <p:spPr>
           <a:xfrm>
             <a:off x="838200" y="1414145"/>
-            <a:ext cx="10515600" cy="4351338"/>
+            <a:ext cx="10515600" cy="5227956"/>
           </a:xfrm>
         </p:spPr>
         <p:txBody>
           <a:bodyPr>
-            <a:normAutofit fontScale="85000" lnSpcReduction="10000"/>
+            <a:normAutofit fontScale="77500" lnSpcReduction="20000"/>
           </a:bodyPr>
           <a:lstStyle/>
           <a:p>
             <a:r>
               <a:rPr lang="en-US" altLang="zh-CN" dirty="0" smtClean="0"/>
-              <a:t>Speaker diarization: partitioning an input audio stream into homogeneous segments according to speaker identity</a:t>
-            </a:r>
-          </a:p>
-          <a:p>
+              <a:t>Answer </a:t>
+            </a:r>
             <a:r>
               <a:rPr lang="en-US" altLang="zh-CN" dirty="0" smtClean="0"/>
-              <a:t>Answer question “who spoke when”</a:t>
-            </a:r>
+              <a:t>question “who spoke when”</a:t>
+            </a:r>
+          </a:p>
+          <a:p>
+            <a:endParaRPr lang="en-US" altLang="zh-CN" dirty="0" smtClean="0"/>
           </a:p>
           <a:p>
             <a:endParaRPr lang="en-US" altLang="zh-CN" dirty="0"/>
           </a:p>
           <a:p>
+            <a:endParaRPr lang="en-US" altLang="zh-CN" dirty="0" smtClean="0"/>
+          </a:p>
+          <a:p>
+            <a:endParaRPr lang="en-US" altLang="zh-CN" dirty="0"/>
+          </a:p>
+          <a:p>
+            <a:endParaRPr lang="en-US" altLang="zh-CN" dirty="0" smtClean="0"/>
+          </a:p>
+          <a:p>
+            <a:endParaRPr lang="en-US" altLang="zh-CN" dirty="0" smtClean="0"/>
+          </a:p>
+          <a:p>
+            <a:endParaRPr lang="en-US" altLang="zh-CN" dirty="0" smtClean="0"/>
+          </a:p>
+          <a:p>
             <a:r>
               <a:rPr lang="en-US" altLang="zh-CN" dirty="0" smtClean="0"/>
-              <a:t>Application: </a:t>
+              <a:t>Application</a:t>
+            </a:r>
+            <a:r>
+              <a:rPr lang="en-US" altLang="zh-CN" dirty="0" smtClean="0"/>
+              <a:t>: </a:t>
             </a:r>
           </a:p>
           <a:p>
@@ -3116,14 +4362,11 @@
             <a:pPr lvl="1"/>
             <a:r>
               <a:rPr lang="en-US" altLang="zh-CN" dirty="0" smtClean="0"/>
-              <a:t>Source separation </a:t>
-            </a:r>
-          </a:p>
-          <a:p>
-            <a:pPr lvl="1"/>
+              <a:t>Call </a:t>
+            </a:r>
             <a:r>
               <a:rPr lang="en-US" altLang="zh-CN" dirty="0" smtClean="0"/>
-              <a:t>Call center data analysis</a:t>
+              <a:t>center data analysis</a:t>
             </a:r>
           </a:p>
           <a:p>
@@ -3150,7 +4393,13 @@
               <a:rPr lang="en-US" altLang="zh-CN" dirty="0" smtClean="0">
                 <a:sym typeface="Wingdings" panose="05000000000000000000" pitchFamily="2" charset="2"/>
               </a:rPr>
-              <a:t>Diarization is not speaker recognition  timestamps are important (need accurate segmentation), No enrollment, </a:t>
+              <a:t>Diarization is not speaker recognition  timestamps are important (need accurate segmentation), No </a:t>
+            </a:r>
+            <a:r>
+              <a:rPr lang="en-US" altLang="zh-CN" dirty="0" smtClean="0">
+                <a:sym typeface="Wingdings" panose="05000000000000000000" pitchFamily="2" charset="2"/>
+              </a:rPr>
+              <a:t>enrollment</a:t>
             </a:r>
             <a:endParaRPr lang="en-US" altLang="zh-CN" dirty="0"/>
           </a:p>
@@ -3164,6 +4413,70 @@
           </a:p>
         </p:txBody>
       </p:sp>
+      <p:pic>
+        <p:nvPicPr>
+          <p:cNvPr id="1026" name="Picture 2"/>
+          <p:cNvPicPr>
+            <a:picLocks noChangeAspect="1" noChangeArrowheads="1"/>
+          </p:cNvPicPr>
+          <p:nvPr/>
+        </p:nvPicPr>
+        <p:blipFill>
+          <a:blip r:embed="rId2">
+            <a:extLst>
+              <a:ext uri="{28A0092B-C50C-407E-A947-70E740481C1C}">
+                <a14:useLocalDpi xmlns:a14="http://schemas.microsoft.com/office/drawing/2010/main" val="0"/>
+              </a:ext>
+            </a:extLst>
+          </a:blip>
+          <a:srcRect/>
+          <a:stretch>
+            <a:fillRect/>
+          </a:stretch>
+        </p:blipFill>
+        <p:spPr bwMode="auto">
+          <a:xfrm>
+            <a:off x="2146300" y="1881188"/>
+            <a:ext cx="8255000" cy="2054225"/>
+          </a:xfrm>
+          <a:prstGeom prst="rect">
+            <a:avLst/>
+          </a:prstGeom>
+          <a:noFill/>
+          <a:ln>
+            <a:noFill/>
+          </a:ln>
+          <a:effectLst/>
+          <a:extLst>
+            <a:ext uri="{909E8E84-426E-40DD-AFC4-6F175D3DCCD1}">
+              <a14:hiddenFill xmlns:a14="http://schemas.microsoft.com/office/drawing/2010/main">
+                <a:solidFill>
+                  <a:schemeClr val="accent1"/>
+                </a:solidFill>
+              </a14:hiddenFill>
+            </a:ext>
+            <a:ext uri="{91240B29-F687-4F45-9708-019B960494DF}">
+              <a14:hiddenLine xmlns:a14="http://schemas.microsoft.com/office/drawing/2010/main" w="9525">
+                <a:solidFill>
+                  <a:schemeClr val="tx1"/>
+                </a:solidFill>
+                <a:miter lim="800000"/>
+                <a:headEnd/>
+                <a:tailEnd/>
+              </a14:hiddenLine>
+            </a:ext>
+            <a:ext uri="{AF507438-7753-43E0-B8FC-AC1667EBCBE1}">
+              <a14:hiddenEffects xmlns:a14="http://schemas.microsoft.com/office/drawing/2010/main">
+                <a:effectLst>
+                  <a:outerShdw dist="35921" dir="2700000" algn="ctr" rotWithShape="0">
+                    <a:schemeClr val="bg2"/>
+                  </a:outerShdw>
+                </a:effectLst>
+              </a14:hiddenEffects>
+            </a:ext>
+          </a:extLst>
+        </p:spPr>
+      </p:pic>
     </p:spTree>
     <p:extLst>
       <p:ext uri="{BB962C8B-B14F-4D97-AF65-F5344CB8AC3E}">
@@ -3234,21 +4547,34 @@
           <a:p>
             <a:r>
               <a:rPr lang="en-US" altLang="zh-CN" dirty="0" smtClean="0"/>
-              <a:t>Voice/speech detection </a:t>
+              <a:t>S</a:t>
+            </a:r>
+            <a:r>
+              <a:rPr lang="en-US" altLang="zh-CN" dirty="0" smtClean="0"/>
+              <a:t>peech Activity Detection (SAD) </a:t>
+            </a:r>
+          </a:p>
+          <a:p>
+            <a:r>
+              <a:rPr lang="en-US" altLang="zh-CN" dirty="0">
+                <a:sym typeface="Wingdings" panose="05000000000000000000" pitchFamily="2" charset="2"/>
+              </a:rPr>
+              <a:t>Feature / Embedding </a:t>
             </a:r>
             <a:r>
               <a:rPr lang="en-US" altLang="zh-CN" dirty="0" smtClean="0">
                 <a:sym typeface="Wingdings" panose="05000000000000000000" pitchFamily="2" charset="2"/>
               </a:rPr>
-              <a:t> remove noise and non-speech</a:t>
-            </a:r>
+              <a:t>extraction</a:t>
+            </a:r>
+            <a:endParaRPr lang="en-US" altLang="zh-CN" dirty="0" smtClean="0"/>
           </a:p>
           <a:p>
             <a:r>
               <a:rPr lang="en-US" altLang="zh-CN" dirty="0" smtClean="0">
                 <a:sym typeface="Wingdings" panose="05000000000000000000" pitchFamily="2" charset="2"/>
               </a:rPr>
-              <a:t>Speech Segmentation: extract short segments</a:t>
+              <a:t>Segmentation</a:t>
             </a:r>
           </a:p>
           <a:p>
@@ -3256,41 +4582,15 @@
               <a:rPr lang="en-US" altLang="zh-CN" dirty="0" smtClean="0">
                 <a:sym typeface="Wingdings" panose="05000000000000000000" pitchFamily="2" charset="2"/>
               </a:rPr>
-              <a:t>Embedding extraction:  generate a compact representation for each segment (</a:t>
-            </a:r>
-            <a:r>
-              <a:rPr lang="en-US" altLang="zh-CN" dirty="0" err="1" smtClean="0">
-                <a:sym typeface="Wingdings" panose="05000000000000000000" pitchFamily="2" charset="2"/>
-              </a:rPr>
-              <a:t>i</a:t>
-            </a:r>
+              <a:t>Clustering</a:t>
+            </a:r>
+          </a:p>
+          <a:p>
             <a:r>
               <a:rPr lang="en-US" altLang="zh-CN" dirty="0" smtClean="0">
                 <a:sym typeface="Wingdings" panose="05000000000000000000" pitchFamily="2" charset="2"/>
               </a:rPr>
-              <a:t>-vector, d-vector)</a:t>
-            </a:r>
-          </a:p>
-          <a:p>
-            <a:r>
-              <a:rPr lang="en-US" altLang="zh-CN" dirty="0" smtClean="0">
-                <a:sym typeface="Wingdings" panose="05000000000000000000" pitchFamily="2" charset="2"/>
-              </a:rPr>
-              <a:t>Clustering: assign each segment to a single speaker</a:t>
-            </a:r>
-          </a:p>
-          <a:p>
-            <a:r>
-              <a:rPr lang="en-US" altLang="zh-CN" dirty="0" err="1" smtClean="0">
-                <a:sym typeface="Wingdings" panose="05000000000000000000" pitchFamily="2" charset="2"/>
-              </a:rPr>
-              <a:t>Resegmentation</a:t>
-            </a:r>
-            <a:r>
-              <a:rPr lang="en-US" altLang="zh-CN" dirty="0" smtClean="0">
-                <a:sym typeface="Wingdings" panose="05000000000000000000" pitchFamily="2" charset="2"/>
-              </a:rPr>
-              <a:t>(optional)</a:t>
+              <a:t>Post-processing (optional)</a:t>
             </a:r>
             <a:endParaRPr lang="zh-CN" altLang="en-US" dirty="0"/>
           </a:p>
@@ -3341,7 +4641,11 @@
           <a:bodyPr/>
           <a:lstStyle/>
           <a:p>
-            <a:endParaRPr lang="zh-CN" altLang="en-US"/>
+            <a:r>
+              <a:rPr lang="en-US" altLang="zh-CN" dirty="0" smtClean="0"/>
+              <a:t>Anatomy of a speaker diarization system</a:t>
+            </a:r>
+            <a:endParaRPr lang="zh-CN" altLang="en-US" dirty="0"/>
           </a:p>
         </p:txBody>
       </p:sp>
@@ -3362,47 +4666,77 @@
           <a:p>
             <a:r>
               <a:rPr lang="en-US" altLang="zh-CN" dirty="0" smtClean="0"/>
-              <a:t>Speaker embedding: extract fixed dim vector from audio</a:t>
-            </a:r>
-          </a:p>
-          <a:p>
+              <a:t>Voice/</a:t>
+            </a:r>
             <a:r>
               <a:rPr lang="en-US" altLang="zh-CN" dirty="0" smtClean="0"/>
-              <a:t>Utterances of same speaker: similar embedding;</a:t>
-            </a:r>
-          </a:p>
-          <a:p>
+              <a:t>S</a:t>
+            </a:r>
             <a:r>
               <a:rPr lang="en-US" altLang="zh-CN" dirty="0" smtClean="0"/>
-              <a:t>Utterances of difference speaker: distinct embedding;</a:t>
-            </a:r>
-          </a:p>
-          <a:p>
-            <a:endParaRPr lang="en-US" altLang="zh-CN" dirty="0" smtClean="0"/>
-          </a:p>
-          <a:p>
-            <a:r>
-              <a:rPr lang="en-US" altLang="zh-CN" dirty="0" err="1" smtClean="0"/>
-              <a:t>i</a:t>
-            </a:r>
-            <a:r>
-              <a:rPr lang="en-US" altLang="zh-CN" dirty="0" smtClean="0"/>
-              <a:t>-vector, d-vector… </a:t>
-            </a:r>
-          </a:p>
-          <a:p>
-            <a:endParaRPr lang="en-US" altLang="zh-CN" dirty="0"/>
-          </a:p>
-          <a:p>
-            <a:r>
-              <a:rPr lang="en-US" altLang="zh-CN" dirty="0" smtClean="0"/>
-              <a:t>Fixed-length segment </a:t>
+              <a:t>peech Activity Detection (VAD/SAD) </a:t>
             </a:r>
             <a:r>
               <a:rPr lang="en-US" altLang="zh-CN" dirty="0" smtClean="0">
                 <a:sym typeface="Wingdings" panose="05000000000000000000" pitchFamily="2" charset="2"/>
               </a:rPr>
-              <a:t> neural network (LSTM network)  D-vector</a:t>
+              <a:t> remove noise and non-speech</a:t>
+            </a:r>
+          </a:p>
+          <a:p>
+            <a:r>
+              <a:rPr lang="en-US" altLang="zh-CN" dirty="0" smtClean="0">
+                <a:sym typeface="Wingdings" panose="05000000000000000000" pitchFamily="2" charset="2"/>
+              </a:rPr>
+              <a:t>Speech Segmentation: extract short segments</a:t>
+            </a:r>
+          </a:p>
+          <a:p>
+            <a:r>
+              <a:rPr lang="en-US" altLang="zh-CN" dirty="0" smtClean="0">
+                <a:sym typeface="Wingdings" panose="05000000000000000000" pitchFamily="2" charset="2"/>
+              </a:rPr>
+              <a:t>Embedding </a:t>
+            </a:r>
+            <a:r>
+              <a:rPr lang="en-US" altLang="zh-CN" dirty="0" smtClean="0">
+                <a:sym typeface="Wingdings" panose="05000000000000000000" pitchFamily="2" charset="2"/>
+              </a:rPr>
+              <a:t>extraction:  generate a compact representation for each segment (</a:t>
+            </a:r>
+            <a:r>
+              <a:rPr lang="en-US" altLang="zh-CN" dirty="0" err="1" smtClean="0">
+                <a:sym typeface="Wingdings" panose="05000000000000000000" pitchFamily="2" charset="2"/>
+              </a:rPr>
+              <a:t>i</a:t>
+            </a:r>
+            <a:r>
+              <a:rPr lang="en-US" altLang="zh-CN" dirty="0" smtClean="0">
+                <a:sym typeface="Wingdings" panose="05000000000000000000" pitchFamily="2" charset="2"/>
+              </a:rPr>
+              <a:t>-vector, d-vector)</a:t>
+            </a:r>
+          </a:p>
+          <a:p>
+            <a:r>
+              <a:rPr lang="en-US" altLang="zh-CN" dirty="0" smtClean="0">
+                <a:sym typeface="Wingdings" panose="05000000000000000000" pitchFamily="2" charset="2"/>
+              </a:rPr>
+              <a:t>Clustering: assign each segment to a single speaker</a:t>
+            </a:r>
+          </a:p>
+          <a:p>
+            <a:r>
+              <a:rPr lang="en-US" altLang="zh-CN" dirty="0" err="1" smtClean="0">
+                <a:sym typeface="Wingdings" panose="05000000000000000000" pitchFamily="2" charset="2"/>
+              </a:rPr>
+              <a:t>Resegmentation</a:t>
+            </a:r>
+            <a:r>
+              <a:rPr lang="en-US" altLang="zh-CN" dirty="0" smtClean="0">
+                <a:sym typeface="Wingdings" panose="05000000000000000000" pitchFamily="2" charset="2"/>
+              </a:rPr>
+              <a:t>(optional)</a:t>
             </a:r>
             <a:endParaRPr lang="zh-CN" altLang="en-US" dirty="0"/>
           </a:p>
@@ -3411,7 +4745,7 @@
     </p:spTree>
     <p:extLst>
       <p:ext uri="{BB962C8B-B14F-4D97-AF65-F5344CB8AC3E}">
-        <p14:creationId xmlns:p14="http://schemas.microsoft.com/office/powerpoint/2010/main" val="2426560506"/>
+        <p14:creationId xmlns:p14="http://schemas.microsoft.com/office/powerpoint/2010/main" val="3807883196"/>
       </p:ext>
     </p:extLst>
   </p:cSld>
@@ -3440,7 +4774,7 @@
       </p:grpSpPr>
       <p:sp>
         <p:nvSpPr>
-          <p:cNvPr id="2" name="标题 1"/>
+          <p:cNvPr id="2" name="Title 1"/>
           <p:cNvSpPr>
             <a:spLocks noGrp="1"/>
           </p:cNvSpPr>
@@ -3448,22 +4782,42 @@
             <p:ph type="title"/>
           </p:nvPr>
         </p:nvSpPr>
-        <p:spPr/>
+        <p:spPr>
+          <a:xfrm>
+            <a:off x="381000" y="314325"/>
+            <a:ext cx="10515600" cy="1325563"/>
+          </a:xfrm>
+        </p:spPr>
         <p:txBody>
           <a:bodyPr/>
           <a:lstStyle/>
           <a:p>
             <a:r>
               <a:rPr lang="en-US" altLang="zh-CN" dirty="0" smtClean="0"/>
-              <a:t>clustering</a:t>
-            </a:r>
-            <a:endParaRPr lang="zh-CN" altLang="en-US" dirty="0"/>
-          </a:p>
-        </p:txBody>
-      </p:sp>
-      <p:sp>
-        <p:nvSpPr>
-          <p:cNvPr id="3" name="内容占位符 2"/>
+              <a:t>Speech </a:t>
+            </a:r>
+            <a:r>
+              <a:rPr lang="en-US" altLang="zh-CN" dirty="0"/>
+              <a:t>Activity </a:t>
+            </a:r>
+            <a:r>
+              <a:rPr lang="en-US" altLang="zh-CN" dirty="0" smtClean="0"/>
+              <a:t>Detection: </a:t>
+            </a:r>
+            <a:br>
+              <a:rPr lang="en-US" altLang="zh-CN" dirty="0" smtClean="0"/>
+            </a:br>
+            <a:r>
+              <a:rPr lang="en-US" altLang="zh-CN" sz="2800" dirty="0" smtClean="0"/>
+              <a:t>detect speech/non-speech in the audio</a:t>
+            </a:r>
+            <a:endParaRPr lang="en-US" sz="2800" dirty="0"/>
+          </a:p>
+        </p:txBody>
+      </p:sp>
+      <p:sp>
+        <p:nvSpPr>
+          <p:cNvPr id="3" name="Content Placeholder 2"/>
           <p:cNvSpPr>
             <a:spLocks noGrp="1"/>
           </p:cNvSpPr>
@@ -3471,90 +4825,66 @@
             <p:ph idx="1"/>
           </p:nvPr>
         </p:nvSpPr>
-        <p:spPr/>
-        <p:txBody>
-          <a:bodyPr/>
-          <a:lstStyle/>
-          <a:p>
-            <a:r>
-              <a:rPr lang="en-US" altLang="zh-CN" dirty="0" smtClean="0"/>
-              <a:t>Offline</a:t>
-            </a:r>
+        <p:spPr>
+          <a:xfrm>
+            <a:off x="812800" y="2041525"/>
+            <a:ext cx="10515600" cy="4351338"/>
+          </a:xfrm>
+        </p:spPr>
+        <p:txBody>
+          <a:bodyPr/>
+          <a:lstStyle/>
+          <a:p>
+            <a:r>
+              <a:rPr lang="en-US" dirty="0"/>
+              <a:t>Energy-based: simple and fast, ineffective for noise like coughing, laughing etc..</a:t>
+            </a:r>
+          </a:p>
+          <a:p>
+            <a:r>
+              <a:rPr lang="en-US" dirty="0"/>
+              <a:t>Model-based: </a:t>
+            </a:r>
+            <a:endParaRPr lang="en-US" dirty="0" smtClean="0"/>
           </a:p>
           <a:p>
             <a:pPr lvl="1"/>
             <a:r>
-              <a:rPr lang="en-US" altLang="zh-CN" dirty="0" smtClean="0"/>
-              <a:t>More latency, better result</a:t>
+              <a:rPr lang="en-US" dirty="0" smtClean="0"/>
+              <a:t>models </a:t>
+            </a:r>
+            <a:r>
+              <a:rPr lang="en-US" dirty="0"/>
+              <a:t>for speech/non-speech, speech/music or noise </a:t>
+            </a:r>
+            <a:r>
+              <a:rPr lang="en-US" dirty="0" err="1"/>
+              <a:t>etc</a:t>
+            </a:r>
+            <a:r>
+              <a:rPr lang="en-US" dirty="0"/>
+              <a:t>; </a:t>
             </a:r>
           </a:p>
           <a:p>
             <a:pPr lvl="1"/>
             <a:r>
-              <a:rPr lang="en-US" altLang="zh-CN" dirty="0" smtClean="0"/>
-              <a:t>Post-processing: gap filling, short-segment filtering, </a:t>
-            </a:r>
-            <a:r>
-              <a:rPr lang="en-US" altLang="zh-CN" dirty="0" err="1" smtClean="0"/>
-              <a:t>resegmentation</a:t>
-            </a:r>
-            <a:endParaRPr lang="en-US" altLang="zh-CN" dirty="0" smtClean="0"/>
-          </a:p>
-          <a:p>
-            <a:pPr lvl="1"/>
-            <a:r>
-              <a:rPr lang="en-US" altLang="zh-CN" dirty="0" smtClean="0"/>
-              <a:t>K-means, spectral </a:t>
-            </a:r>
-          </a:p>
-          <a:p>
-            <a:r>
-              <a:rPr lang="en-US" altLang="zh-CN" dirty="0" smtClean="0"/>
-              <a:t>Online</a:t>
-            </a:r>
-          </a:p>
-          <a:p>
-            <a:pPr lvl="1"/>
-            <a:r>
-              <a:rPr lang="en-US" altLang="zh-CN" dirty="0" smtClean="0"/>
-              <a:t>Cluster label determined immediately when embedding is available </a:t>
-            </a:r>
-          </a:p>
-          <a:p>
-            <a:pPr lvl="1"/>
-            <a:r>
-              <a:rPr lang="en-US" altLang="zh-CN" dirty="0" smtClean="0"/>
-              <a:t>Real-time application </a:t>
-            </a:r>
-          </a:p>
-          <a:p>
-            <a:pPr lvl="1"/>
-            <a:r>
-              <a:rPr lang="en-US" altLang="zh-CN" dirty="0" smtClean="0"/>
-              <a:t>Two: </a:t>
-            </a:r>
-          </a:p>
-          <a:p>
-            <a:pPr lvl="2"/>
-            <a:r>
-              <a:rPr lang="en-US" altLang="zh-CN" dirty="0" smtClean="0"/>
-              <a:t>Naive: online: based on threshold</a:t>
-            </a:r>
-          </a:p>
-          <a:p>
-            <a:pPr lvl="2"/>
-            <a:r>
-              <a:rPr lang="en-US" altLang="zh-CN" dirty="0" smtClean="0"/>
-              <a:t>Link online: Philip Andrew Mansfield (2018) </a:t>
-            </a:r>
-            <a:endParaRPr lang="zh-CN" altLang="en-US" dirty="0"/>
+              <a:rPr lang="en-US" dirty="0" smtClean="0"/>
+              <a:t>Need to be trained with pre-labeled data</a:t>
+            </a:r>
+          </a:p>
+          <a:p>
+            <a:r>
+              <a:rPr lang="en-US" dirty="0" smtClean="0"/>
+              <a:t>Some will only separate speech and silence (VAD)</a:t>
+            </a:r>
           </a:p>
         </p:txBody>
       </p:sp>
     </p:spTree>
     <p:extLst>
       <p:ext uri="{BB962C8B-B14F-4D97-AF65-F5344CB8AC3E}">
-        <p14:creationId xmlns:p14="http://schemas.microsoft.com/office/powerpoint/2010/main" val="2962596656"/>
+        <p14:creationId xmlns:p14="http://schemas.microsoft.com/office/powerpoint/2010/main" val="1985522427"/>
       </p:ext>
     </p:extLst>
   </p:cSld>
@@ -3583,7 +4913,7 @@
       </p:grpSpPr>
       <p:sp>
         <p:nvSpPr>
-          <p:cNvPr id="2" name="标题 1"/>
+          <p:cNvPr id="2" name="Title 1"/>
           <p:cNvSpPr>
             <a:spLocks noGrp="1"/>
           </p:cNvSpPr>
@@ -3591,172 +4921,220 @@
             <p:ph type="title"/>
           </p:nvPr>
         </p:nvSpPr>
-        <p:spPr/>
-        <p:txBody>
-          <a:bodyPr/>
-          <a:lstStyle/>
-          <a:p>
-            <a:endParaRPr lang="zh-CN" altLang="en-US"/>
-          </a:p>
-        </p:txBody>
-      </p:sp>
-      <p:sp>
-        <p:nvSpPr>
-          <p:cNvPr id="3" name="内容占位符 2"/>
-          <p:cNvSpPr>
-            <a:spLocks noGrp="1"/>
-          </p:cNvSpPr>
-          <p:nvPr>
-            <p:ph idx="1"/>
-          </p:nvPr>
-        </p:nvSpPr>
-        <p:spPr/>
+        <p:spPr>
+          <a:xfrm>
+            <a:off x="203200" y="174625"/>
+            <a:ext cx="10515600" cy="1325563"/>
+          </a:xfrm>
+        </p:spPr>
         <p:txBody>
           <a:bodyPr>
-            <a:normAutofit fontScale="77500" lnSpcReduction="20000"/>
+            <a:normAutofit fontScale="90000"/>
           </a:bodyPr>
           <a:lstStyle/>
           <a:p>
             <a:r>
-              <a:rPr lang="en-US" altLang="zh-CN" dirty="0" smtClean="0"/>
-              <a:t>Clustering – not good enough in speaker diarization </a:t>
-            </a:r>
-          </a:p>
-          <a:p>
-            <a:r>
-              <a:rPr lang="en-US" altLang="zh-CN" dirty="0" smtClean="0"/>
-              <a:t>Can’t learn from examples, based on rules</a:t>
-            </a:r>
-          </a:p>
-          <a:p>
-            <a:r>
-              <a:rPr lang="en-US" altLang="zh-CN" dirty="0" smtClean="0"/>
-              <a:t>Can’t incorporate temporal information</a:t>
-            </a:r>
-          </a:p>
-          <a:p>
-            <a:endParaRPr lang="en-US" altLang="zh-CN" dirty="0" smtClean="0"/>
-          </a:p>
-          <a:p>
-            <a:r>
-              <a:rPr lang="en-US" altLang="zh-CN" dirty="0" smtClean="0"/>
-              <a:t>Supervised diarization</a:t>
-            </a:r>
-            <a:endParaRPr lang="en-US" altLang="zh-CN" dirty="0"/>
-          </a:p>
-          <a:p>
-            <a:r>
-              <a:rPr lang="en-US" altLang="zh-CN" dirty="0" smtClean="0"/>
-              <a:t>Make full use of speaker labels and their timestamps in training data</a:t>
-            </a:r>
-          </a:p>
-          <a:p>
-            <a:r>
-              <a:rPr lang="en-US" altLang="zh-CN" dirty="0" smtClean="0"/>
-              <a:t>Domain-specific: train a model in one domain </a:t>
+              <a:rPr lang="en-US" altLang="zh-CN" dirty="0">
+                <a:sym typeface="Wingdings" panose="05000000000000000000" pitchFamily="2" charset="2"/>
+              </a:rPr>
+              <a:t>Feature / Embedding </a:t>
             </a:r>
             <a:r>
               <a:rPr lang="en-US" altLang="zh-CN" dirty="0" smtClean="0">
                 <a:sym typeface="Wingdings" panose="05000000000000000000" pitchFamily="2" charset="2"/>
               </a:rPr>
-              <a:t> can’t work well for the others</a:t>
-            </a:r>
-          </a:p>
-          <a:p>
-            <a:r>
+              <a:t>extraction: </a:t>
+            </a:r>
+            <a:br>
               <a:rPr lang="en-US" altLang="zh-CN" dirty="0" smtClean="0">
                 <a:sym typeface="Wingdings" panose="05000000000000000000" pitchFamily="2" charset="2"/>
               </a:rPr>
-              <a:t>Training: observation sequence (</a:t>
-            </a:r>
-            <a:r>
-              <a:rPr lang="en-US" altLang="zh-CN" dirty="0" err="1" smtClean="0">
+            </a:br>
+            <a:r>
+              <a:rPr lang="en-US" altLang="zh-CN" sz="3100" dirty="0" smtClean="0">
                 <a:sym typeface="Wingdings" panose="05000000000000000000" pitchFamily="2" charset="2"/>
               </a:rPr>
-              <a:t>embeddings</a:t>
-            </a:r>
-            <a:r>
-              <a:rPr lang="en-US" altLang="zh-CN" dirty="0" smtClean="0">
-                <a:sym typeface="Wingdings" panose="05000000000000000000" pitchFamily="2" charset="2"/>
-              </a:rPr>
-              <a:t>), </a:t>
-            </a:r>
-          </a:p>
-          <a:p>
-            <a:pPr marL="0" indent="0">
-              <a:buNone/>
-            </a:pPr>
-            <a:r>
-              <a:rPr lang="en-US" altLang="zh-CN" dirty="0">
-                <a:sym typeface="Wingdings" panose="05000000000000000000" pitchFamily="2" charset="2"/>
-              </a:rPr>
-              <a:t>	 </a:t>
-            </a:r>
-            <a:r>
-              <a:rPr lang="en-US" altLang="zh-CN" dirty="0" smtClean="0">
-                <a:sym typeface="Wingdings" panose="05000000000000000000" pitchFamily="2" charset="2"/>
-              </a:rPr>
-              <a:t>      Label sequence (speakers for </a:t>
-            </a:r>
-            <a:r>
-              <a:rPr lang="en-US" altLang="zh-CN" dirty="0" err="1" smtClean="0">
-                <a:sym typeface="Wingdings" panose="05000000000000000000" pitchFamily="2" charset="2"/>
-              </a:rPr>
-              <a:t>embeddings</a:t>
-            </a:r>
-            <a:r>
-              <a:rPr lang="en-US" altLang="zh-CN" dirty="0" smtClean="0">
-                <a:sym typeface="Wingdings" panose="05000000000000000000" pitchFamily="2" charset="2"/>
-              </a:rPr>
-              <a:t>)</a:t>
-            </a:r>
-          </a:p>
-          <a:p>
-            <a:pPr marL="0" indent="0">
-              <a:buNone/>
-            </a:pPr>
-            <a:r>
-              <a:rPr lang="en-US" altLang="zh-CN" dirty="0" smtClean="0">
-                <a:sym typeface="Wingdings" panose="05000000000000000000" pitchFamily="2" charset="2"/>
-              </a:rPr>
-              <a:t>Training data  dataset with timestamped speaker label</a:t>
-            </a:r>
-          </a:p>
-          <a:p>
-            <a:pPr marL="0" indent="0">
-              <a:buNone/>
-            </a:pPr>
-            <a:r>
-              <a:rPr lang="en-US" altLang="zh-CN" dirty="0" smtClean="0">
-                <a:sym typeface="Wingdings" panose="05000000000000000000" pitchFamily="2" charset="2"/>
-              </a:rPr>
-              <a:t>Small improvements but online</a:t>
-            </a:r>
-          </a:p>
-          <a:p>
-            <a:pPr marL="0" indent="0">
-              <a:buNone/>
-            </a:pPr>
-            <a:r>
-              <a:rPr lang="en-US" altLang="zh-CN" dirty="0" smtClean="0">
-                <a:sym typeface="Wingdings" panose="05000000000000000000" pitchFamily="2" charset="2"/>
-              </a:rPr>
-              <a:t>D-vectors  speaker recognition network; used as known observation </a:t>
-            </a:r>
-            <a:endParaRPr lang="en-US" altLang="zh-CN" dirty="0" smtClean="0"/>
-          </a:p>
-          <a:p>
-            <a:endParaRPr lang="en-US" altLang="zh-CN" dirty="0" smtClean="0"/>
-          </a:p>
-          <a:p>
-            <a:endParaRPr lang="zh-CN" altLang="en-US" dirty="0"/>
+              <a:t>Convert the speech signal  sequence of vectors that contain speaker-discriminative information</a:t>
+            </a:r>
+            <a:endParaRPr lang="en-US" altLang="zh-CN" sz="3100" dirty="0"/>
+          </a:p>
+        </p:txBody>
+      </p:sp>
+      <p:sp>
+        <p:nvSpPr>
+          <p:cNvPr id="3" name="Content Placeholder 2"/>
+          <p:cNvSpPr>
+            <a:spLocks noGrp="1"/>
+          </p:cNvSpPr>
+          <p:nvPr>
+            <p:ph idx="1"/>
+          </p:nvPr>
+        </p:nvSpPr>
+        <p:spPr>
+          <a:xfrm>
+            <a:off x="406400" y="1724025"/>
+            <a:ext cx="10515600" cy="4351338"/>
+          </a:xfrm>
+        </p:spPr>
+        <p:txBody>
+          <a:bodyPr>
+            <a:normAutofit fontScale="92500" lnSpcReduction="10000"/>
+          </a:bodyPr>
+          <a:lstStyle/>
+          <a:p>
+            <a:r>
+              <a:rPr lang="en-US" dirty="0"/>
+              <a:t>Acoustic </a:t>
+            </a:r>
+            <a:r>
+              <a:rPr lang="en-US" dirty="0" smtClean="0"/>
+              <a:t>features: Different </a:t>
+            </a:r>
+            <a:r>
+              <a:rPr lang="en-US" dirty="0"/>
+              <a:t>speech sounds are generated by varying the shape of the vocal tract and its mode of </a:t>
+            </a:r>
+            <a:r>
+              <a:rPr lang="en-US" dirty="0" smtClean="0"/>
+              <a:t>excitation</a:t>
+            </a:r>
+            <a:endParaRPr lang="en-US" dirty="0"/>
+          </a:p>
+          <a:p>
+            <a:pPr lvl="1"/>
+            <a:r>
+              <a:rPr lang="en-US" dirty="0"/>
+              <a:t>Mel Frequency </a:t>
+            </a:r>
+            <a:r>
+              <a:rPr lang="en-US" dirty="0" err="1"/>
+              <a:t>Cepstral</a:t>
+            </a:r>
+            <a:r>
+              <a:rPr lang="en-US" dirty="0"/>
+              <a:t> Coefficients (MFCC)</a:t>
+            </a:r>
+          </a:p>
+          <a:p>
+            <a:pPr lvl="1"/>
+            <a:r>
+              <a:rPr lang="en-US" dirty="0"/>
+              <a:t>Linear Prediction </a:t>
+            </a:r>
+            <a:r>
+              <a:rPr lang="en-US" dirty="0" err="1"/>
+              <a:t>Cepstral</a:t>
+            </a:r>
+            <a:r>
+              <a:rPr lang="en-US" dirty="0"/>
+              <a:t> Coefficients (LPCC) </a:t>
+            </a:r>
+          </a:p>
+          <a:p>
+            <a:pPr lvl="1"/>
+            <a:r>
+              <a:rPr lang="en-US" dirty="0"/>
+              <a:t>Perceptual Linear Prediction </a:t>
+            </a:r>
+            <a:r>
+              <a:rPr lang="en-US" dirty="0" err="1"/>
+              <a:t>Cepstral</a:t>
+            </a:r>
+            <a:r>
+              <a:rPr lang="en-US" dirty="0"/>
+              <a:t> (PLPC) Coefficients </a:t>
+            </a:r>
+            <a:endParaRPr lang="en-US" dirty="0"/>
+          </a:p>
+          <a:p>
+            <a:pPr lvl="1"/>
+            <a:endParaRPr lang="en-US" dirty="0"/>
+          </a:p>
+          <a:p>
+            <a:r>
+              <a:rPr lang="en-US" dirty="0"/>
+              <a:t>Speaker </a:t>
+            </a:r>
+            <a:r>
+              <a:rPr lang="en-US" dirty="0" smtClean="0"/>
+              <a:t>embedding:</a:t>
+            </a:r>
+          </a:p>
+          <a:p>
+            <a:pPr lvl="1"/>
+            <a:r>
+              <a:rPr lang="en-US" dirty="0" smtClean="0"/>
+              <a:t>Used in speaker recognition first</a:t>
+            </a:r>
+          </a:p>
+          <a:p>
+            <a:pPr lvl="1"/>
+            <a:r>
+              <a:rPr lang="en-US" dirty="0" err="1" smtClean="0"/>
+              <a:t>i</a:t>
+            </a:r>
+            <a:r>
+              <a:rPr lang="en-US" dirty="0"/>
+              <a:t>-vectors: dimensionality reduction of the GMM </a:t>
+            </a:r>
+            <a:r>
+              <a:rPr lang="en-US" dirty="0" err="1" smtClean="0"/>
+              <a:t>supervector</a:t>
+            </a:r>
+            <a:r>
+              <a:rPr lang="en-US" dirty="0" smtClean="0"/>
+              <a:t>, extracted from UBM-GMM framework; </a:t>
+            </a:r>
+          </a:p>
+          <a:p>
+            <a:pPr lvl="1"/>
+            <a:r>
+              <a:rPr lang="en-US" dirty="0" smtClean="0"/>
+              <a:t>d-vectors</a:t>
+            </a:r>
+            <a:r>
+              <a:rPr lang="en-US" dirty="0"/>
+              <a:t>: </a:t>
+            </a:r>
+            <a:r>
+              <a:rPr lang="en-US" dirty="0" smtClean="0"/>
+              <a:t>extracted </a:t>
+            </a:r>
+            <a:r>
+              <a:rPr lang="en-US" dirty="0"/>
+              <a:t>from a </a:t>
+            </a:r>
+            <a:r>
+              <a:rPr lang="en-US" dirty="0" smtClean="0"/>
+              <a:t>DNN</a:t>
+            </a:r>
+            <a:r>
+              <a:rPr lang="en-US" dirty="0"/>
+              <a:t>, the mean of </a:t>
+            </a:r>
+            <a:r>
+              <a:rPr lang="en-US" dirty="0" smtClean="0"/>
+              <a:t>feature </a:t>
+            </a:r>
+            <a:r>
+              <a:rPr lang="en-US" dirty="0"/>
+              <a:t>vectors in </a:t>
+            </a:r>
+            <a:r>
+              <a:rPr lang="en-US" dirty="0" smtClean="0"/>
+              <a:t>DNN's </a:t>
+            </a:r>
+            <a:r>
+              <a:rPr lang="en-US" dirty="0"/>
+              <a:t>final hidden layer. </a:t>
+            </a:r>
           </a:p>
         </p:txBody>
       </p:sp>
     </p:spTree>
     <p:extLst>
       <p:ext uri="{BB962C8B-B14F-4D97-AF65-F5344CB8AC3E}">
-        <p14:creationId xmlns:p14="http://schemas.microsoft.com/office/powerpoint/2010/main" val="3968051627"/>
+        <p14:creationId xmlns:p14="http://schemas.microsoft.com/office/powerpoint/2010/main" val="1139180253"/>
       </p:ext>
     </p:extLst>
   </p:cSld>
@@ -3785,7 +5163,7 @@
       </p:grpSpPr>
       <p:sp>
         <p:nvSpPr>
-          <p:cNvPr id="2" name="标题 1"/>
+          <p:cNvPr id="2" name="Title 1"/>
           <p:cNvSpPr>
             <a:spLocks noGrp="1"/>
           </p:cNvSpPr>
@@ -3795,52 +5173,85 @@
         </p:nvSpPr>
         <p:spPr/>
         <p:txBody>
-          <a:bodyPr/>
-          <a:lstStyle/>
-          <a:p>
-            <a:r>
-              <a:rPr lang="en-US" altLang="zh-CN" b="1" dirty="0" smtClean="0"/>
-              <a:t>binary key speaker modelling</a:t>
-            </a:r>
-            <a:endParaRPr lang="en-US" altLang="zh-CN" b="1" dirty="0"/>
-          </a:p>
-        </p:txBody>
-      </p:sp>
-      <p:sp>
-        <p:nvSpPr>
-          <p:cNvPr id="3" name="内容占位符 2"/>
-          <p:cNvSpPr>
-            <a:spLocks noGrp="1"/>
-          </p:cNvSpPr>
-          <p:nvPr>
-            <p:ph idx="1"/>
-          </p:nvPr>
-        </p:nvSpPr>
-        <p:spPr/>
-        <p:txBody>
-          <a:bodyPr/>
-          <a:lstStyle/>
-          <a:p>
-            <a:r>
-              <a:rPr lang="en-US" altLang="zh-CN" dirty="0" smtClean="0"/>
-              <a:t>In-session training of a binary key background model (KBM) </a:t>
-            </a:r>
+          <a:bodyPr>
+            <a:normAutofit fontScale="90000"/>
+          </a:bodyPr>
+          <a:lstStyle/>
+          <a:p>
             <a:r>
               <a:rPr lang="en-US" altLang="zh-CN" dirty="0" smtClean="0">
                 <a:sym typeface="Wingdings" panose="05000000000000000000" pitchFamily="2" charset="2"/>
               </a:rPr>
-              <a:t> does not require any external training data</a:t>
-            </a:r>
-          </a:p>
-          <a:p>
-            <a:endParaRPr lang="zh-CN" altLang="en-US" dirty="0"/>
+              <a:t>Segmentation</a:t>
+            </a:r>
+            <a:r>
+              <a:rPr lang="en-US" altLang="zh-CN" dirty="0">
+                <a:sym typeface="Wingdings" panose="05000000000000000000" pitchFamily="2" charset="2"/>
+              </a:rPr>
+              <a:t>: </a:t>
+            </a:r>
+            <a:r>
+              <a:rPr lang="en-US" altLang="zh-CN" sz="3600" dirty="0">
+                <a:sym typeface="Wingdings" panose="05000000000000000000" pitchFamily="2" charset="2"/>
+              </a:rPr>
+              <a:t>extract short </a:t>
+            </a:r>
+            <a:r>
+              <a:rPr lang="en-US" altLang="zh-CN" sz="3600" dirty="0" smtClean="0">
+                <a:sym typeface="Wingdings" panose="05000000000000000000" pitchFamily="2" charset="2"/>
+              </a:rPr>
+              <a:t>segments, each containing a single speakers</a:t>
+            </a:r>
+            <a:r>
+              <a:rPr lang="en-US" altLang="zh-CN" dirty="0">
+                <a:sym typeface="Wingdings" panose="05000000000000000000" pitchFamily="2" charset="2"/>
+              </a:rPr>
+              <a:t/>
+            </a:r>
+            <a:br>
+              <a:rPr lang="en-US" altLang="zh-CN" dirty="0">
+                <a:sym typeface="Wingdings" panose="05000000000000000000" pitchFamily="2" charset="2"/>
+              </a:rPr>
+            </a:br>
+            <a:endParaRPr lang="en-US" dirty="0"/>
+          </a:p>
+        </p:txBody>
+      </p:sp>
+      <p:sp>
+        <p:nvSpPr>
+          <p:cNvPr id="3" name="Content Placeholder 2"/>
+          <p:cNvSpPr>
+            <a:spLocks noGrp="1"/>
+          </p:cNvSpPr>
+          <p:nvPr>
+            <p:ph idx="1"/>
+          </p:nvPr>
+        </p:nvSpPr>
+        <p:spPr/>
+        <p:txBody>
+          <a:bodyPr/>
+          <a:lstStyle/>
+          <a:p>
+            <a:r>
+              <a:rPr lang="en-US" dirty="0" smtClean="0"/>
+              <a:t>Fixed-size Sliding Window</a:t>
+            </a:r>
+          </a:p>
+          <a:p>
+            <a:r>
+              <a:rPr lang="en-US" dirty="0" smtClean="0"/>
+              <a:t>Metric-based segmentation: distance metrics are used in conjunction with sliding window to detect the speaker change points</a:t>
+            </a:r>
+          </a:p>
+          <a:p>
+            <a:endParaRPr lang="en-US" dirty="0"/>
           </a:p>
         </p:txBody>
       </p:sp>
     </p:spTree>
     <p:extLst>
       <p:ext uri="{BB962C8B-B14F-4D97-AF65-F5344CB8AC3E}">
-        <p14:creationId xmlns:p14="http://schemas.microsoft.com/office/powerpoint/2010/main" val="4258562099"/>
+        <p14:creationId xmlns:p14="http://schemas.microsoft.com/office/powerpoint/2010/main" val="1567537190"/>
       </p:ext>
     </p:extLst>
   </p:cSld>
@@ -3882,7 +5293,11 @@
           <a:bodyPr/>
           <a:lstStyle/>
           <a:p>
-            <a:endParaRPr lang="zh-CN" altLang="en-US"/>
+            <a:r>
+              <a:rPr lang="en-US" altLang="zh-CN" dirty="0" smtClean="0"/>
+              <a:t>Clustering </a:t>
+            </a:r>
+            <a:endParaRPr lang="zh-CN" altLang="en-US" dirty="0"/>
           </a:p>
         </p:txBody>
       </p:sp>
@@ -3898,80 +5313,81 @@
         </p:nvSpPr>
         <p:spPr/>
         <p:txBody>
-          <a:bodyPr>
-            <a:normAutofit lnSpcReduction="10000"/>
-          </a:bodyPr>
+          <a:bodyPr/>
           <a:lstStyle/>
           <a:p>
             <a:r>
               <a:rPr lang="en-US" altLang="zh-CN" dirty="0" smtClean="0"/>
-              <a:t>Acoustic processing:  map input features </a:t>
-            </a:r>
-            <a:r>
-              <a:rPr lang="en-US" altLang="zh-CN" dirty="0" smtClean="0">
-                <a:sym typeface="Wingdings" panose="05000000000000000000" pitchFamily="2" charset="2"/>
-              </a:rPr>
-              <a:t> sequence of binary keys</a:t>
-            </a:r>
-          </a:p>
-          <a:p>
-            <a:r>
-              <a:rPr lang="en-US" altLang="zh-CN" dirty="0" err="1" smtClean="0">
-                <a:sym typeface="Wingdings" panose="05000000000000000000" pitchFamily="2" charset="2"/>
-              </a:rPr>
-              <a:t>Diariazation</a:t>
-            </a:r>
-            <a:r>
-              <a:rPr lang="en-US" altLang="zh-CN" dirty="0" smtClean="0">
-                <a:sym typeface="Wingdings" panose="05000000000000000000" pitchFamily="2" charset="2"/>
-              </a:rPr>
-              <a:t>: Agglomerative Hierarchical Clustering (AHC) over BKs</a:t>
-            </a:r>
-          </a:p>
-          <a:p>
-            <a:endParaRPr lang="en-US" altLang="zh-CN" dirty="0" smtClean="0">
-              <a:sym typeface="Wingdings" panose="05000000000000000000" pitchFamily="2" charset="2"/>
-            </a:endParaRPr>
-          </a:p>
-          <a:p>
-            <a:r>
-              <a:rPr lang="en-US" altLang="zh-CN" dirty="0" smtClean="0">
-                <a:sym typeface="Wingdings" panose="05000000000000000000" pitchFamily="2" charset="2"/>
-              </a:rPr>
-              <a:t>Input data  equal-sized segments  binary key (BKs) or cumulative vector (CV) is extracted </a:t>
-            </a:r>
-          </a:p>
-          <a:p>
-            <a:endParaRPr lang="en-US" altLang="zh-CN" dirty="0">
-              <a:sym typeface="Wingdings" panose="05000000000000000000" pitchFamily="2" charset="2"/>
-            </a:endParaRPr>
-          </a:p>
-          <a:p>
-            <a:r>
-              <a:rPr lang="en-US" altLang="zh-CN" dirty="0" smtClean="0">
-                <a:sym typeface="Wingdings" panose="05000000000000000000" pitchFamily="2" charset="2"/>
-              </a:rPr>
-              <a:t>Binary key background model (KBM) training:</a:t>
-            </a:r>
-          </a:p>
-          <a:p>
-            <a:r>
-              <a:rPr lang="en-US" altLang="zh-CN" dirty="0" smtClean="0">
-                <a:sym typeface="Wingdings" panose="05000000000000000000" pitchFamily="2" charset="2"/>
-              </a:rPr>
-              <a:t>Input feature stream  frames (each frame trained by a Gaussian model)</a:t>
-            </a:r>
-            <a:r>
-              <a:rPr lang="en-US" altLang="zh-CN" dirty="0" smtClean="0">
-                <a:sym typeface="Wingdings" panose="05000000000000000000" pitchFamily="2" charset="2"/>
-              </a:rPr>
-              <a:t> </a:t>
-            </a:r>
-            <a:r>
-              <a:rPr lang="en-US" altLang="zh-CN" dirty="0" smtClean="0">
-                <a:sym typeface="Wingdings" panose="05000000000000000000" pitchFamily="2" charset="2"/>
-              </a:rPr>
-              <a:t> pool of Gaussian components  select the most dissimilar Gaussian</a:t>
+              <a:t>Offline</a:t>
+            </a:r>
+          </a:p>
+          <a:p>
+            <a:pPr lvl="1"/>
+            <a:r>
+              <a:rPr lang="en-US" altLang="zh-CN" dirty="0" smtClean="0"/>
+              <a:t>More latency, better result</a:t>
+            </a:r>
+          </a:p>
+          <a:p>
+            <a:pPr lvl="1"/>
+            <a:r>
+              <a:rPr lang="en-US" altLang="zh-CN" dirty="0" smtClean="0"/>
+              <a:t>Post-processing: gap filling, short-segment filtering, </a:t>
+            </a:r>
+            <a:r>
+              <a:rPr lang="en-US" altLang="zh-CN" dirty="0" err="1" smtClean="0"/>
+              <a:t>resegmentation</a:t>
+            </a:r>
+            <a:endParaRPr lang="en-US" altLang="zh-CN" dirty="0" smtClean="0"/>
+          </a:p>
+          <a:p>
+            <a:pPr lvl="1"/>
+            <a:r>
+              <a:rPr lang="en-US" altLang="zh-CN" dirty="0" smtClean="0"/>
+              <a:t>K-means, spectral </a:t>
+            </a:r>
+          </a:p>
+          <a:p>
+            <a:r>
+              <a:rPr lang="en-US" altLang="zh-CN" dirty="0" smtClean="0"/>
+              <a:t>Online: strictly left-to-right manner</a:t>
+            </a:r>
+            <a:endParaRPr lang="en-US" altLang="zh-CN" dirty="0" smtClean="0"/>
+          </a:p>
+          <a:p>
+            <a:pPr lvl="1"/>
+            <a:r>
+              <a:rPr lang="en-US" altLang="zh-CN" dirty="0" smtClean="0"/>
+              <a:t>Cluster label determined immediately when embedding is available </a:t>
+            </a:r>
+          </a:p>
+          <a:p>
+            <a:pPr lvl="1"/>
+            <a:r>
+              <a:rPr lang="en-US" altLang="zh-CN" dirty="0" smtClean="0"/>
+              <a:t>Real-time application </a:t>
+            </a:r>
+          </a:p>
+          <a:p>
+            <a:pPr lvl="1"/>
+            <a:r>
+              <a:rPr lang="en-US" altLang="zh-CN" dirty="0" smtClean="0"/>
+              <a:t>Examples:</a:t>
+            </a:r>
+            <a:endParaRPr lang="en-US" altLang="zh-CN" dirty="0" smtClean="0"/>
+          </a:p>
+          <a:p>
+            <a:pPr lvl="2"/>
+            <a:r>
+              <a:rPr lang="en-US" altLang="zh-CN" dirty="0" smtClean="0"/>
+              <a:t>Naive: online: based on threshold</a:t>
+            </a:r>
+          </a:p>
+          <a:p>
+            <a:pPr lvl="2"/>
+            <a:r>
+              <a:rPr lang="en-US" altLang="zh-CN" dirty="0" smtClean="0"/>
+              <a:t>Link online: Philip Andrew Mansfield (2018) </a:t>
             </a:r>
             <a:endParaRPr lang="zh-CN" altLang="en-US" dirty="0"/>
           </a:p>
@@ -3980,7 +5396,7 @@
     </p:spTree>
     <p:extLst>
       <p:ext uri="{BB962C8B-B14F-4D97-AF65-F5344CB8AC3E}">
-        <p14:creationId xmlns:p14="http://schemas.microsoft.com/office/powerpoint/2010/main" val="1591756437"/>
+        <p14:creationId xmlns:p14="http://schemas.microsoft.com/office/powerpoint/2010/main" val="2962596656"/>
       </p:ext>
     </p:extLst>
   </p:cSld>
@@ -4009,7 +5425,7 @@
       </p:grpSpPr>
       <p:sp>
         <p:nvSpPr>
-          <p:cNvPr id="2" name="标题 1"/>
+          <p:cNvPr id="2" name="Title 1"/>
           <p:cNvSpPr>
             <a:spLocks noGrp="1"/>
           </p:cNvSpPr>
@@ -4022,13 +5438,17 @@
           <a:bodyPr/>
           <a:lstStyle/>
           <a:p>
-            <a:endParaRPr lang="zh-CN" altLang="en-US"/>
-          </a:p>
-        </p:txBody>
-      </p:sp>
-      <p:sp>
-        <p:nvSpPr>
-          <p:cNvPr id="3" name="内容占位符 2"/>
+            <a:r>
+              <a:rPr lang="en-US" dirty="0" smtClean="0"/>
+              <a:t>Two speaker diarization system implemented</a:t>
+            </a:r>
+            <a:endParaRPr lang="en-US" dirty="0"/>
+          </a:p>
+        </p:txBody>
+      </p:sp>
+      <p:sp>
+        <p:nvSpPr>
+          <p:cNvPr id="3" name="Content Placeholder 2"/>
           <p:cNvSpPr>
             <a:spLocks noGrp="1"/>
           </p:cNvSpPr>
@@ -4042,41 +5462,28 @@
           <a:lstStyle/>
           <a:p>
             <a:r>
-              <a:rPr lang="en-US" altLang="zh-CN" dirty="0"/>
-              <a:t>agglomerative clustering </a:t>
-            </a:r>
-            <a:r>
-              <a:rPr lang="en-US" altLang="zh-CN" dirty="0" smtClean="0"/>
-              <a:t>approach: All </a:t>
-            </a:r>
-            <a:r>
-              <a:rPr lang="en-US" altLang="zh-CN" dirty="0"/>
-              <a:t>operations are done with binary </a:t>
-            </a:r>
-            <a:r>
-              <a:rPr lang="en-US" altLang="zh-CN" dirty="0" smtClean="0"/>
-              <a:t>data, what </a:t>
-            </a:r>
-            <a:r>
-              <a:rPr lang="en-US" altLang="zh-CN" dirty="0"/>
-              <a:t>makes the process faster than with classic </a:t>
-            </a:r>
-            <a:r>
-              <a:rPr lang="en-US" altLang="zh-CN" dirty="0" smtClean="0"/>
-              <a:t>GMM-based approaches</a:t>
-            </a:r>
-            <a:r>
-              <a:rPr lang="en-US" altLang="zh-CN" dirty="0"/>
-              <a:t>.</a:t>
-            </a:r>
-            <a:endParaRPr lang="zh-CN" altLang="en-US" dirty="0"/>
+              <a:rPr lang="en-US" dirty="0" smtClean="0"/>
+              <a:t>1. </a:t>
+            </a:r>
+            <a:r>
+              <a:rPr lang="en-US" dirty="0"/>
+              <a:t>Fast speaker diarization based on binary keys	</a:t>
+            </a:r>
+            <a:endParaRPr lang="en-US" dirty="0" smtClean="0"/>
+          </a:p>
+          <a:p>
+            <a:r>
+              <a:rPr lang="en-US" dirty="0" smtClean="0"/>
+              <a:t>2. UIS-RNN developed by google</a:t>
+            </a:r>
+            <a:endParaRPr lang="en-US" dirty="0"/>
           </a:p>
         </p:txBody>
       </p:sp>
     </p:spTree>
     <p:extLst>
       <p:ext uri="{BB962C8B-B14F-4D97-AF65-F5344CB8AC3E}">
-        <p14:creationId xmlns:p14="http://schemas.microsoft.com/office/powerpoint/2010/main" val="2455412108"/>
+        <p14:creationId xmlns:p14="http://schemas.microsoft.com/office/powerpoint/2010/main" val="494322255"/>
       </p:ext>
     </p:extLst>
   </p:cSld>
@@ -4341,7 +5748,7 @@
   <a:extraClrSchemeLst/>
   <a:extLst>
     <a:ext uri="{05A4C25C-085E-4340-85A3-A5531E510DB2}">
-      <thm15:themeFamily xmlns:thm15="http://schemas.microsoft.com/office/thememl/2012/main" name="Office Theme" id="{62F939B6-93AF-4DB8-9C6B-D6C7DFDC589F}" vid="{4A3C46E8-61CC-4603-A589-7422A47A8E4A}"/>
+      <thm15:themeFamily xmlns:thm15="http://schemas.microsoft.com/office/thememl/2012/main" xmlns="" name="Office Theme" id="{62F939B6-93AF-4DB8-9C6B-D6C7DFDC589F}" vid="{4A3C46E8-61CC-4603-A589-7422A47A8E4A}"/>
     </a:ext>
   </a:extLst>
 </a:theme>
